--- a/PĮ-antras-atsiskaitymas.pptx
+++ b/PĮ-antras-atsiskaitymas.pptx
@@ -9,15 +9,13 @@
     <p:sldId id="257" r:id="rId3"/>
     <p:sldId id="258" r:id="rId4"/>
     <p:sldId id="259" r:id="rId5"/>
-    <p:sldId id="267" r:id="rId6"/>
-    <p:sldId id="268" r:id="rId7"/>
-    <p:sldId id="260" r:id="rId8"/>
-    <p:sldId id="261" r:id="rId9"/>
-    <p:sldId id="262" r:id="rId10"/>
-    <p:sldId id="263" r:id="rId11"/>
-    <p:sldId id="264" r:id="rId12"/>
-    <p:sldId id="265" r:id="rId13"/>
-    <p:sldId id="266" r:id="rId14"/>
+    <p:sldId id="260" r:id="rId6"/>
+    <p:sldId id="261" r:id="rId7"/>
+    <p:sldId id="262" r:id="rId8"/>
+    <p:sldId id="263" r:id="rId9"/>
+    <p:sldId id="264" r:id="rId10"/>
+    <p:sldId id="265" r:id="rId11"/>
+    <p:sldId id="266" r:id="rId12"/>
   </p:sldIdLst>
   <p:sldSz cx="12192000" cy="6858000"/>
   <p:notesSz cx="6858000" cy="9144000"/>
@@ -116,11 +114,6 @@
       </a:defRPr>
     </a:lvl9pPr>
   </p:defaultTextStyle>
-  <p:extLst>
-    <p:ext uri="{EFAFB233-063F-42B5-8137-9DF3F51BA10A}">
-      <p15:sldGuideLst xmlns:p15="http://schemas.microsoft.com/office/powerpoint/2012/main"/>
-    </p:ext>
-  </p:extLst>
 </p:presentation>
 </file>
 
@@ -263,7 +256,7 @@
           <a:p>
             <a:fld id="{DA27A17E-4D78-433F-BD48-C6590687CAFA}" type="datetimeFigureOut">
               <a:rPr lang="lt-LT" smtClean="0"/>
-              <a:t>2017-05-03</a:t>
+              <a:t>2017.05.02</a:t>
             </a:fld>
             <a:endParaRPr lang="lt-LT"/>
           </a:p>
@@ -480,7 +473,7 @@
           <a:p>
             <a:fld id="{DA27A17E-4D78-433F-BD48-C6590687CAFA}" type="datetimeFigureOut">
               <a:rPr lang="lt-LT" smtClean="0"/>
-              <a:t>2017-05-03</a:t>
+              <a:t>2017.05.02</a:t>
             </a:fld>
             <a:endParaRPr lang="lt-LT"/>
           </a:p>
@@ -701,7 +694,7 @@
           <a:p>
             <a:fld id="{DA27A17E-4D78-433F-BD48-C6590687CAFA}" type="datetimeFigureOut">
               <a:rPr lang="lt-LT" smtClean="0"/>
-              <a:t>2017-05-03</a:t>
+              <a:t>2017.05.02</a:t>
             </a:fld>
             <a:endParaRPr lang="lt-LT"/>
           </a:p>
@@ -908,7 +901,7 @@
           <a:p>
             <a:fld id="{DA27A17E-4D78-433F-BD48-C6590687CAFA}" type="datetimeFigureOut">
               <a:rPr lang="lt-LT" smtClean="0"/>
-              <a:t>2017-05-03</a:t>
+              <a:t>2017.05.02</a:t>
             </a:fld>
             <a:endParaRPr lang="lt-LT"/>
           </a:p>
@@ -1193,7 +1186,7 @@
           <a:p>
             <a:fld id="{DA27A17E-4D78-433F-BD48-C6590687CAFA}" type="datetimeFigureOut">
               <a:rPr lang="lt-LT" smtClean="0"/>
-              <a:t>2017-05-03</a:t>
+              <a:t>2017.05.02</a:t>
             </a:fld>
             <a:endParaRPr lang="lt-LT"/>
           </a:p>
@@ -1467,7 +1460,7 @@
           <a:p>
             <a:fld id="{DA27A17E-4D78-433F-BD48-C6590687CAFA}" type="datetimeFigureOut">
               <a:rPr lang="lt-LT" smtClean="0"/>
-              <a:t>2017-05-03</a:t>
+              <a:t>2017.05.02</a:t>
             </a:fld>
             <a:endParaRPr lang="lt-LT"/>
           </a:p>
@@ -1889,7 +1882,7 @@
           <a:p>
             <a:fld id="{DA27A17E-4D78-433F-BD48-C6590687CAFA}" type="datetimeFigureOut">
               <a:rPr lang="lt-LT" smtClean="0"/>
-              <a:t>2017-05-03</a:t>
+              <a:t>2017.05.02</a:t>
             </a:fld>
             <a:endParaRPr lang="lt-LT"/>
           </a:p>
@@ -2044,7 +2037,7 @@
           <a:p>
             <a:fld id="{DA27A17E-4D78-433F-BD48-C6590687CAFA}" type="datetimeFigureOut">
               <a:rPr lang="lt-LT" smtClean="0"/>
-              <a:t>2017-05-03</a:t>
+              <a:t>2017.05.02</a:t>
             </a:fld>
             <a:endParaRPr lang="lt-LT"/>
           </a:p>
@@ -2176,7 +2169,7 @@
           <a:p>
             <a:fld id="{DA27A17E-4D78-433F-BD48-C6590687CAFA}" type="datetimeFigureOut">
               <a:rPr lang="lt-LT" smtClean="0"/>
-              <a:t>2017-05-03</a:t>
+              <a:t>2017.05.02</a:t>
             </a:fld>
             <a:endParaRPr lang="lt-LT"/>
           </a:p>
@@ -2427,7 +2420,7 @@
           <a:p>
             <a:fld id="{DA27A17E-4D78-433F-BD48-C6590687CAFA}" type="datetimeFigureOut">
               <a:rPr lang="lt-LT" smtClean="0"/>
-              <a:t>2017-05-03</a:t>
+              <a:t>2017.05.02</a:t>
             </a:fld>
             <a:endParaRPr lang="lt-LT"/>
           </a:p>
@@ -2882,7 +2875,7 @@
           <a:p>
             <a:fld id="{DA27A17E-4D78-433F-BD48-C6590687CAFA}" type="datetimeFigureOut">
               <a:rPr lang="lt-LT" smtClean="0"/>
-              <a:t>2017-05-03</a:t>
+              <a:t>2017.05.02</a:t>
             </a:fld>
             <a:endParaRPr lang="lt-LT"/>
           </a:p>
@@ -3208,7 +3201,7 @@
           <a:p>
             <a:fld id="{DA27A17E-4D78-433F-BD48-C6590687CAFA}" type="datetimeFigureOut">
               <a:rPr lang="lt-LT" smtClean="0"/>
-              <a:t>2017-05-03</a:t>
+              <a:t>2017.05.02</a:t>
             </a:fld>
             <a:endParaRPr lang="lt-LT"/>
           </a:p>
@@ -3739,15 +3732,7 @@
             <a:pPr algn="ctr"/>
             <a:r>
               <a:rPr lang="lt-LT" dirty="0"/>
-              <a:t>Android programėlė ,,Flappy </a:t>
-            </a:r>
-            <a:r>
-              <a:rPr lang="en-US" dirty="0"/>
-              <a:t>dragon</a:t>
-            </a:r>
-            <a:r>
-              <a:rPr lang="lt-LT" dirty="0"/>
-              <a:t>“</a:t>
+              <a:t>Android programėlė ,,Flappy bird“</a:t>
             </a:r>
           </a:p>
         </p:txBody>
@@ -3784,751 +3769,50 @@
       </p:grpSpPr>
       <p:sp>
         <p:nvSpPr>
-          <p:cNvPr id="9" name="Rectangle 8"/>
-          <p:cNvSpPr>
-            <a:spLocks noGrp="1" noRot="1" noChangeAspect="1" noMove="1" noResize="1" noEditPoints="1" noAdjustHandles="1" noChangeArrowheads="1" noChangeShapeType="1" noTextEdit="1"/>
-          </p:cNvSpPr>
-          <p:nvPr>
-            <p:extLst>
-              <p:ext uri="{386F3935-93C4-4BCD-93E2-E3B085C9AB24}">
-                <p16:designElem xmlns="" xmlns:p16="http://schemas.microsoft.com/office/powerpoint/2015/main" val="1"/>
-              </p:ext>
-            </p:extLst>
-          </p:nvPr>
-        </p:nvSpPr>
-        <p:spPr bwMode="white">
-          <a:xfrm>
-            <a:off x="0" y="0"/>
-            <a:ext cx="12192000" cy="6858000"/>
-          </a:xfrm>
-          <a:prstGeom prst="rect">
-            <a:avLst/>
-          </a:prstGeom>
-          <a:gradFill rotWithShape="1">
-            <a:gsLst>
-              <a:gs pos="0">
-                <a:schemeClr val="bg2">
-                  <a:tint val="94000"/>
-                  <a:satMod val="80000"/>
-                  <a:lumMod val="106000"/>
-                </a:schemeClr>
-              </a:gs>
-              <a:gs pos="100000">
-                <a:schemeClr val="bg2">
-                  <a:shade val="80000"/>
-                </a:schemeClr>
-              </a:gs>
-            </a:gsLst>
-            <a:path path="circle">
-              <a:fillToRect l="43000" r="43000" b="100000"/>
-            </a:path>
-          </a:gradFill>
-          <a:ln>
-            <a:noFill/>
-          </a:ln>
-          <a:effectLst/>
-        </p:spPr>
-      </p:sp>
-      <p:sp>
-        <p:nvSpPr>
-          <p:cNvPr id="11" name="Rectangle 10"/>
-          <p:cNvSpPr>
-            <a:spLocks noGrp="1" noRot="1" noChangeAspect="1" noMove="1" noResize="1" noEditPoints="1" noAdjustHandles="1" noChangeArrowheads="1" noChangeShapeType="1" noTextEdit="1"/>
-          </p:cNvSpPr>
-          <p:nvPr>
-            <p:extLst>
-              <p:ext uri="{386F3935-93C4-4BCD-93E2-E3B085C9AB24}">
-                <p16:designElem xmlns="" xmlns:p16="http://schemas.microsoft.com/office/powerpoint/2015/main" val="1"/>
-              </p:ext>
-            </p:extLst>
-          </p:nvPr>
-        </p:nvSpPr>
-        <p:spPr>
-          <a:xfrm>
-            <a:off x="0" y="2015732"/>
-            <a:ext cx="12192000" cy="4118829"/>
-          </a:xfrm>
-          <a:prstGeom prst="rect">
-            <a:avLst/>
-          </a:prstGeom>
-          <a:gradFill flip="none" rotWithShape="1">
-            <a:gsLst>
-              <a:gs pos="0">
-                <a:schemeClr val="bg2">
-                  <a:alpha val="0"/>
-                </a:schemeClr>
-              </a:gs>
-              <a:gs pos="100000">
-                <a:schemeClr val="bg2"/>
-              </a:gs>
-            </a:gsLst>
-            <a:lin ang="5400000" scaled="0"/>
-            <a:tileRect/>
-          </a:gradFill>
-          <a:ln>
-            <a:noFill/>
-          </a:ln>
-        </p:spPr>
-        <p:style>
-          <a:lnRef idx="2">
-            <a:schemeClr val="accent1">
-              <a:shade val="50000"/>
-            </a:schemeClr>
-          </a:lnRef>
-          <a:fillRef idx="1">
-            <a:schemeClr val="accent1"/>
-          </a:fillRef>
-          <a:effectRef idx="0">
-            <a:schemeClr val="accent1"/>
-          </a:effectRef>
-          <a:fontRef idx="minor">
-            <a:schemeClr val="lt1"/>
-          </a:fontRef>
-        </p:style>
-      </p:sp>
-      <p:pic>
-        <p:nvPicPr>
-          <p:cNvPr id="13" name="Picture 12"/>
-          <p:cNvPicPr>
-            <a:picLocks noGrp="1" noRot="1" noChangeAspect="1" noMove="1" noResize="1" noEditPoints="1" noAdjustHandles="1" noChangeArrowheads="1" noChangeShapeType="1" noCrop="1"/>
-          </p:cNvPicPr>
-          <p:nvPr>
-            <p:extLst>
-              <p:ext uri="{386F3935-93C4-4BCD-93E2-E3B085C9AB24}">
-                <p16:designElem xmlns="" xmlns:p16="http://schemas.microsoft.com/office/powerpoint/2015/main" val="1"/>
-              </p:ext>
-            </p:extLst>
-          </p:nvPr>
-        </p:nvPicPr>
-        <p:blipFill rotWithShape="1">
-          <a:blip r:embed="rId2"/>
-          <a:srcRect t="2769" b="-2769"/>
-          <a:stretch/>
-        </p:blipFill>
-        <p:spPr>
-          <a:xfrm>
-            <a:off x="0" y="6135624"/>
-            <a:ext cx="12192000" cy="742950"/>
-          </a:xfrm>
-          <a:prstGeom prst="rect">
-            <a:avLst/>
-          </a:prstGeom>
-        </p:spPr>
-      </p:pic>
-      <p:cxnSp>
-        <p:nvCxnSpPr>
-          <p:cNvPr id="15" name="Straight Connector 14"/>
-          <p:cNvCxnSpPr>
-            <a:cxnSpLocks noGrp="1" noRot="1" noChangeAspect="1" noMove="1" noResize="1" noEditPoints="1" noAdjustHandles="1" noChangeArrowheads="1" noChangeShapeType="1"/>
-          </p:cNvCxnSpPr>
-          <p:nvPr>
-            <p:extLst>
-              <p:ext uri="{386F3935-93C4-4BCD-93E2-E3B085C9AB24}">
-                <p16:designElem xmlns="" xmlns:p16="http://schemas.microsoft.com/office/powerpoint/2015/main" val="1"/>
-              </p:ext>
-            </p:extLst>
-          </p:nvPr>
-        </p:nvCxnSpPr>
-        <p:spPr>
-          <a:xfrm>
-            <a:off x="0" y="6141705"/>
-            <a:ext cx="12192000" cy="0"/>
-          </a:xfrm>
-          <a:prstGeom prst="line">
-            <a:avLst/>
-          </a:prstGeom>
-          <a:ln w="12700">
-            <a:solidFill>
-              <a:srgbClr val="000001">
-                <a:alpha val="20000"/>
-              </a:srgbClr>
-            </a:solidFill>
-          </a:ln>
-        </p:spPr>
-        <p:style>
-          <a:lnRef idx="1">
-            <a:schemeClr val="accent1"/>
-          </a:lnRef>
-          <a:fillRef idx="0">
-            <a:schemeClr val="accent1"/>
-          </a:fillRef>
-          <a:effectRef idx="0">
-            <a:schemeClr val="accent1"/>
-          </a:effectRef>
-          <a:fontRef idx="minor">
-            <a:schemeClr val="tx1"/>
-          </a:fontRef>
-        </p:style>
-      </p:cxnSp>
-      <p:cxnSp>
-        <p:nvCxnSpPr>
-          <p:cNvPr id="17" name="Straight Connector 16"/>
-          <p:cNvCxnSpPr>
-            <a:cxnSpLocks noGrp="1" noRot="1" noChangeAspect="1" noMove="1" noResize="1" noEditPoints="1" noAdjustHandles="1" noChangeArrowheads="1" noChangeShapeType="1"/>
-          </p:cNvCxnSpPr>
-          <p:nvPr>
-            <p:extLst>
-              <p:ext uri="{386F3935-93C4-4BCD-93E2-E3B085C9AB24}">
-                <p16:designElem xmlns="" xmlns:p16="http://schemas.microsoft.com/office/powerpoint/2015/main" val="1"/>
-              </p:ext>
-            </p:extLst>
-          </p:nvPr>
-        </p:nvCxnSpPr>
-        <p:spPr>
-          <a:xfrm>
-            <a:off x="2334637" y="798973"/>
-            <a:ext cx="0" cy="2544756"/>
-          </a:xfrm>
-          <a:prstGeom prst="line">
-            <a:avLst/>
-          </a:prstGeom>
-          <a:ln w="38100" cmpd="sng">
-            <a:solidFill>
-              <a:schemeClr val="accent1"/>
-            </a:solidFill>
-            <a:prstDash val="solid"/>
-            <a:tailEnd type="none"/>
-          </a:ln>
-        </p:spPr>
-        <p:style>
-          <a:lnRef idx="3">
-            <a:schemeClr val="accent1"/>
-          </a:lnRef>
-          <a:fillRef idx="0">
-            <a:schemeClr val="accent1"/>
-          </a:fillRef>
-          <a:effectRef idx="2">
-            <a:schemeClr val="accent1"/>
-          </a:effectRef>
-          <a:fontRef idx="minor">
-            <a:schemeClr val="tx1"/>
-          </a:fontRef>
-        </p:style>
-      </p:cxnSp>
-      <p:sp useBgFill="1">
-        <p:nvSpPr>
-          <p:cNvPr id="19" name="Rectangle 18"/>
-          <p:cNvSpPr>
-            <a:spLocks noGrp="1" noRot="1" noChangeAspect="1" noMove="1" noResize="1" noEditPoints="1" noAdjustHandles="1" noChangeArrowheads="1" noChangeShapeType="1" noTextEdit="1"/>
-          </p:cNvSpPr>
-          <p:nvPr>
-            <p:extLst>
-              <p:ext uri="{386F3935-93C4-4BCD-93E2-E3B085C9AB24}">
-                <p16:designElem xmlns="" xmlns:p16="http://schemas.microsoft.com/office/powerpoint/2015/main" val="1"/>
-              </p:ext>
-            </p:extLst>
-          </p:nvPr>
-        </p:nvSpPr>
-        <p:spPr>
-          <a:xfrm>
-            <a:off x="2" y="0"/>
-            <a:ext cx="12191695" cy="6858000"/>
-          </a:xfrm>
-          <a:prstGeom prst="rect">
-            <a:avLst/>
-          </a:prstGeom>
-          <a:ln>
-            <a:noFill/>
-          </a:ln>
-        </p:spPr>
-        <p:style>
-          <a:lnRef idx="2">
-            <a:schemeClr val="accent1">
-              <a:shade val="50000"/>
-            </a:schemeClr>
-          </a:lnRef>
-          <a:fillRef idx="1">
-            <a:schemeClr val="accent1"/>
-          </a:fillRef>
-          <a:effectRef idx="0">
-            <a:schemeClr val="accent1"/>
-          </a:effectRef>
-          <a:fontRef idx="minor">
-            <a:schemeClr val="lt1"/>
-          </a:fontRef>
-        </p:style>
-        <p:txBody>
-          <a:bodyPr rtlCol="0" anchor="ctr"/>
+          <p:cNvPr id="2" name="Title 1"/>
+          <p:cNvSpPr>
+            <a:spLocks noGrp="1"/>
+          </p:cNvSpPr>
+          <p:nvPr>
+            <p:ph type="title"/>
+          </p:nvPr>
+        </p:nvSpPr>
+        <p:spPr/>
+        <p:txBody>
+          <a:bodyPr/>
           <a:lstStyle/>
           <a:p>
             <a:pPr algn="ctr"/>
-            <a:endParaRPr lang="en-US"/>
-          </a:p>
-        </p:txBody>
-      </p:sp>
-      <p:sp>
-        <p:nvSpPr>
-          <p:cNvPr id="21" name="Rectangle 20"/>
-          <p:cNvSpPr>
-            <a:spLocks noGrp="1" noRot="1" noChangeAspect="1" noMove="1" noResize="1" noEditPoints="1" noAdjustHandles="1" noChangeArrowheads="1" noChangeShapeType="1" noTextEdit="1"/>
-          </p:cNvSpPr>
-          <p:nvPr>
-            <p:extLst>
-              <p:ext uri="{386F3935-93C4-4BCD-93E2-E3B085C9AB24}">
-                <p16:designElem xmlns="" xmlns:p16="http://schemas.microsoft.com/office/powerpoint/2015/main" val="1"/>
-              </p:ext>
-            </p:extLst>
-          </p:nvPr>
-        </p:nvSpPr>
-        <p:spPr>
-          <a:xfrm>
-            <a:off x="0" y="2015732"/>
-            <a:ext cx="12192000" cy="4118829"/>
-          </a:xfrm>
-          <a:prstGeom prst="rect">
-            <a:avLst/>
-          </a:prstGeom>
-          <a:gradFill flip="none" rotWithShape="1">
-            <a:gsLst>
-              <a:gs pos="0">
-                <a:schemeClr val="bg2">
-                  <a:alpha val="0"/>
-                </a:schemeClr>
-              </a:gs>
-              <a:gs pos="100000">
-                <a:schemeClr val="bg2"/>
-              </a:gs>
-            </a:gsLst>
-            <a:lin ang="5400000" scaled="0"/>
-            <a:tileRect/>
-          </a:gradFill>
-          <a:ln>
-            <a:noFill/>
-          </a:ln>
-        </p:spPr>
-        <p:style>
-          <a:lnRef idx="2">
-            <a:schemeClr val="accent1">
-              <a:shade val="50000"/>
-            </a:schemeClr>
-          </a:lnRef>
-          <a:fillRef idx="1">
-            <a:schemeClr val="accent1"/>
-          </a:fillRef>
-          <a:effectRef idx="0">
-            <a:schemeClr val="accent1"/>
-          </a:effectRef>
-          <a:fontRef idx="minor">
-            <a:schemeClr val="lt1"/>
-          </a:fontRef>
-        </p:style>
-        <p:txBody>
-          <a:bodyPr rtlCol="0" anchor="ctr"/>
-          <a:lstStyle/>
-          <a:p>
-            <a:pPr lvl="0" algn="ctr"/>
-            <a:endParaRPr lang="en-US"/>
-          </a:p>
-        </p:txBody>
-      </p:sp>
-      <p:pic>
-        <p:nvPicPr>
-          <p:cNvPr id="23" name="Picture 22"/>
-          <p:cNvPicPr>
-            <a:picLocks noGrp="1" noRot="1" noChangeAspect="1" noMove="1" noResize="1" noEditPoints="1" noAdjustHandles="1" noChangeArrowheads="1" noChangeShapeType="1" noCrop="1"/>
-          </p:cNvPicPr>
-          <p:nvPr>
-            <p:extLst>
-              <p:ext uri="{386F3935-93C4-4BCD-93E2-E3B085C9AB24}">
-                <p16:designElem xmlns="" xmlns:p16="http://schemas.microsoft.com/office/powerpoint/2015/main" val="1"/>
-              </p:ext>
-            </p:extLst>
-          </p:nvPr>
-        </p:nvPicPr>
-        <p:blipFill rotWithShape="1">
-          <a:blip r:embed="rId2"/>
-          <a:srcRect t="2769" b="-2769"/>
-          <a:stretch/>
-        </p:blipFill>
-        <p:spPr>
-          <a:xfrm>
-            <a:off x="0" y="6135624"/>
-            <a:ext cx="12192000" cy="742950"/>
-          </a:xfrm>
-          <a:prstGeom prst="rect">
-            <a:avLst/>
-          </a:prstGeom>
-        </p:spPr>
-      </p:pic>
-      <p:cxnSp>
-        <p:nvCxnSpPr>
-          <p:cNvPr id="25" name="Straight Connector 24"/>
-          <p:cNvCxnSpPr>
-            <a:cxnSpLocks noGrp="1" noRot="1" noChangeAspect="1" noMove="1" noResize="1" noEditPoints="1" noAdjustHandles="1" noChangeArrowheads="1" noChangeShapeType="1"/>
-          </p:cNvCxnSpPr>
-          <p:nvPr>
-            <p:extLst>
-              <p:ext uri="{386F3935-93C4-4BCD-93E2-E3B085C9AB24}">
-                <p16:designElem xmlns="" xmlns:p16="http://schemas.microsoft.com/office/powerpoint/2015/main" val="1"/>
-              </p:ext>
-            </p:extLst>
-          </p:nvPr>
-        </p:nvCxnSpPr>
-        <p:spPr>
-          <a:xfrm>
-            <a:off x="0" y="6141705"/>
-            <a:ext cx="12192000" cy="0"/>
-          </a:xfrm>
-          <a:prstGeom prst="line">
-            <a:avLst/>
-          </a:prstGeom>
-          <a:ln w="12700">
-            <a:solidFill>
-              <a:srgbClr val="000001">
-                <a:alpha val="20000"/>
-              </a:srgbClr>
-            </a:solidFill>
-          </a:ln>
-        </p:spPr>
-        <p:style>
-          <a:lnRef idx="1">
-            <a:schemeClr val="accent1"/>
-          </a:lnRef>
-          <a:fillRef idx="0">
-            <a:schemeClr val="accent1"/>
-          </a:fillRef>
-          <a:effectRef idx="0">
-            <a:schemeClr val="accent1"/>
-          </a:effectRef>
-          <a:fontRef idx="minor">
-            <a:schemeClr val="tx1"/>
-          </a:fontRef>
-        </p:style>
-      </p:cxnSp>
-      <p:grpSp>
-        <p:nvGrpSpPr>
-          <p:cNvPr id="27" name="Group 26"/>
-          <p:cNvGrpSpPr>
-            <a:grpSpLocks noGrp="1" noUngrp="1" noRot="1" noChangeAspect="1" noMove="1" noResize="1"/>
-          </p:cNvGrpSpPr>
-          <p:nvPr>
-            <p:extLst>
-              <p:ext uri="{386F3935-93C4-4BCD-93E2-E3B085C9AB24}">
-                <p16:designElem xmlns="" xmlns:p16="http://schemas.microsoft.com/office/powerpoint/2015/main" val="1"/>
-              </p:ext>
-            </p:extLst>
-          </p:nvPr>
-        </p:nvGrpSpPr>
-        <p:grpSpPr>
-          <a:xfrm>
-            <a:off x="3979389" y="482171"/>
-            <a:ext cx="7560115" cy="5149101"/>
-            <a:chOff x="3979389" y="482171"/>
-            <a:chExt cx="7560115" cy="5149101"/>
-          </a:xfrm>
-        </p:grpSpPr>
-        <p:sp>
-          <p:nvSpPr>
-            <p:cNvPr id="28" name="Rectangle 27"/>
-            <p:cNvSpPr/>
-            <p:nvPr>
-              <p:extLst>
-                <p:ext uri="{386F3935-93C4-4BCD-93E2-E3B085C9AB24}">
-                  <p16:designElem xmlns="" xmlns:p16="http://schemas.microsoft.com/office/powerpoint/2015/main" val="1"/>
-                </p:ext>
-              </p:extLst>
-            </p:nvPr>
-          </p:nvSpPr>
-          <p:spPr>
-            <a:xfrm>
-              <a:off x="3979389" y="482171"/>
-              <a:ext cx="7560115" cy="5149101"/>
-            </a:xfrm>
-            <a:prstGeom prst="rect">
-              <a:avLst/>
-            </a:prstGeom>
-            <a:gradFill>
-              <a:gsLst>
-                <a:gs pos="0">
-                  <a:schemeClr val="bg2">
-                    <a:lumMod val="10000"/>
-                  </a:schemeClr>
-                </a:gs>
-                <a:gs pos="100000">
-                  <a:schemeClr val="bg2">
-                    <a:lumMod val="10000"/>
-                  </a:schemeClr>
-                </a:gs>
-              </a:gsLst>
-            </a:gradFill>
-            <a:ln w="76200" cmpd="sng">
-              <a:noFill/>
-              <a:miter lim="800000"/>
-            </a:ln>
-            <a:effectLst>
-              <a:outerShdw blurRad="127000" dist="228600" dir="4740000" sx="98000" sy="98000" algn="tl" rotWithShape="0">
-                <a:srgbClr val="000000">
-                  <a:alpha val="34000"/>
-                </a:srgbClr>
-              </a:outerShdw>
-            </a:effectLst>
-            <a:scene3d>
-              <a:camera prst="orthographicFront"/>
-              <a:lightRig rig="threePt" dir="t"/>
-            </a:scene3d>
-            <a:sp3d prstMaterial="matte">
-              <a:bevelT w="133350" h="50800" prst="divot"/>
-            </a:sp3d>
-          </p:spPr>
-          <p:style>
-            <a:lnRef idx="1">
-              <a:schemeClr val="accent1"/>
-            </a:lnRef>
-            <a:fillRef idx="3">
-              <a:schemeClr val="accent1"/>
-            </a:fillRef>
-            <a:effectRef idx="2">
-              <a:schemeClr val="accent1"/>
-            </a:effectRef>
-            <a:fontRef idx="minor">
-              <a:schemeClr val="lt1"/>
-            </a:fontRef>
-          </p:style>
-          <p:txBody>
-            <a:bodyPr rtlCol="0" anchor="ctr"/>
-            <a:lstStyle/>
-            <a:p>
-              <a:pPr algn="ctr"/>
-              <a:endParaRPr lang="en-US"/>
-            </a:p>
-          </p:txBody>
-        </p:sp>
-        <p:sp>
-          <p:nvSpPr>
-            <p:cNvPr id="29" name="Rectangle 28"/>
-            <p:cNvSpPr/>
-            <p:nvPr>
-              <p:extLst>
-                <p:ext uri="{386F3935-93C4-4BCD-93E2-E3B085C9AB24}">
-                  <p16:designElem xmlns="" xmlns:p16="http://schemas.microsoft.com/office/powerpoint/2015/main" val="1"/>
-                </p:ext>
-              </p:extLst>
-            </p:nvPr>
-          </p:nvSpPr>
-          <p:spPr>
-            <a:xfrm>
-              <a:off x="4292448" y="812507"/>
-              <a:ext cx="6928279" cy="4466452"/>
-            </a:xfrm>
-            <a:prstGeom prst="rect">
-              <a:avLst/>
-            </a:prstGeom>
-            <a:gradFill>
-              <a:gsLst>
-                <a:gs pos="0">
-                  <a:srgbClr val="DADADA"/>
-                </a:gs>
-                <a:gs pos="100000">
-                  <a:srgbClr val="FFFFFE"/>
-                </a:gs>
-              </a:gsLst>
-              <a:lin ang="16200000" scaled="0"/>
-            </a:gradFill>
-            <a:ln w="50800" cmpd="sng">
-              <a:solidFill>
-                <a:srgbClr val="191919"/>
-              </a:solidFill>
-              <a:miter lim="800000"/>
-            </a:ln>
-            <a:effectLst>
-              <a:innerShdw blurRad="63500" dist="88900" dir="14100000">
-                <a:srgbClr val="000000">
-                  <a:alpha val="30000"/>
-                </a:srgbClr>
-              </a:innerShdw>
-            </a:effectLst>
-            <a:scene3d>
-              <a:camera prst="orthographicFront"/>
-              <a:lightRig rig="threePt" dir="t"/>
-            </a:scene3d>
-            <a:sp3d>
-              <a:bevelT prst="relaxedInset"/>
-            </a:sp3d>
-          </p:spPr>
-          <p:style>
-            <a:lnRef idx="1">
-              <a:schemeClr val="accent1"/>
-            </a:lnRef>
-            <a:fillRef idx="3">
-              <a:schemeClr val="accent1"/>
-            </a:fillRef>
-            <a:effectRef idx="2">
-              <a:schemeClr val="accent1"/>
-            </a:effectRef>
-            <a:fontRef idx="minor">
-              <a:schemeClr val="lt1"/>
-            </a:fontRef>
-          </p:style>
-          <p:txBody>
-            <a:bodyPr rtlCol="0" anchor="ctr"/>
-            <a:lstStyle/>
-            <a:p>
-              <a:pPr algn="ctr"/>
-              <a:endParaRPr lang="en-US"/>
-            </a:p>
-          </p:txBody>
-        </p:sp>
-      </p:grpSp>
-      <p:sp>
-        <p:nvSpPr>
-          <p:cNvPr id="31" name="Rectangle 30"/>
-          <p:cNvSpPr>
-            <a:spLocks noGrp="1" noRot="1" noChangeAspect="1" noMove="1" noResize="1" noEditPoints="1" noAdjustHandles="1" noChangeArrowheads="1" noChangeShapeType="1" noTextEdit="1"/>
-          </p:cNvSpPr>
-          <p:nvPr>
-            <p:extLst>
-              <p:ext uri="{386F3935-93C4-4BCD-93E2-E3B085C9AB24}">
-                <p16:designElem xmlns="" xmlns:p16="http://schemas.microsoft.com/office/powerpoint/2015/main" val="1"/>
-              </p:ext>
-            </p:extLst>
-          </p:nvPr>
-        </p:nvSpPr>
-        <p:spPr>
-          <a:xfrm>
-            <a:off x="4455871" y="977099"/>
-            <a:ext cx="6621291" cy="4136205"/>
-          </a:xfrm>
-          <a:prstGeom prst="rect">
-            <a:avLst/>
-          </a:prstGeom>
-          <a:solidFill>
-            <a:srgbClr val="FFFFFE"/>
-          </a:solidFill>
-          <a:ln w="6350">
-            <a:solidFill>
-              <a:schemeClr val="bg2"/>
-            </a:solidFill>
-          </a:ln>
-        </p:spPr>
-        <p:style>
-          <a:lnRef idx="2">
-            <a:schemeClr val="accent1">
-              <a:shade val="50000"/>
-            </a:schemeClr>
-          </a:lnRef>
-          <a:fillRef idx="1">
-            <a:schemeClr val="accent1"/>
-          </a:fillRef>
-          <a:effectRef idx="0">
-            <a:schemeClr val="accent1"/>
-          </a:effectRef>
-          <a:fontRef idx="minor">
-            <a:schemeClr val="lt1"/>
-          </a:fontRef>
-        </p:style>
-        <p:txBody>
-          <a:bodyPr rtlCol="0" anchor="ctr"/>
-          <a:lstStyle/>
-          <a:p>
-            <a:pPr algn="ctr"/>
-            <a:endParaRPr lang="en-US"/>
-          </a:p>
-        </p:txBody>
-      </p:sp>
-      <p:cxnSp>
-        <p:nvCxnSpPr>
-          <p:cNvPr id="33" name="Straight Connector 32"/>
-          <p:cNvCxnSpPr>
-            <a:cxnSpLocks noGrp="1" noRot="1" noChangeAspect="1" noMove="1" noResize="1" noEditPoints="1" noAdjustHandles="1" noChangeArrowheads="1" noChangeShapeType="1"/>
-          </p:cNvCxnSpPr>
-          <p:nvPr>
-            <p:extLst>
-              <p:ext uri="{386F3935-93C4-4BCD-93E2-E3B085C9AB24}">
-                <p16:designElem xmlns="" xmlns:p16="http://schemas.microsoft.com/office/powerpoint/2015/main" val="1"/>
-              </p:ext>
-            </p:extLst>
-          </p:nvPr>
-        </p:nvCxnSpPr>
-        <p:spPr>
-          <a:xfrm>
-            <a:off x="490988" y="807259"/>
-            <a:ext cx="0" cy="2544756"/>
-          </a:xfrm>
-          <a:prstGeom prst="line">
-            <a:avLst/>
-          </a:prstGeom>
-          <a:ln w="38100" cmpd="sng">
-            <a:solidFill>
-              <a:schemeClr val="accent1"/>
-            </a:solidFill>
-            <a:prstDash val="solid"/>
-            <a:tailEnd type="none"/>
-          </a:ln>
-        </p:spPr>
-        <p:style>
-          <a:lnRef idx="3">
-            <a:schemeClr val="accent1"/>
-          </a:lnRef>
-          <a:fillRef idx="0">
-            <a:schemeClr val="accent1"/>
-          </a:fillRef>
-          <a:effectRef idx="2">
-            <a:schemeClr val="accent1"/>
-          </a:effectRef>
-          <a:fontRef idx="minor">
-            <a:schemeClr val="tx1"/>
-          </a:fontRef>
-        </p:style>
-      </p:cxnSp>
-      <p:pic>
-        <p:nvPicPr>
-          <p:cNvPr id="4" name="Content Placeholder 3"/>
-          <p:cNvPicPr>
-            <a:picLocks noGrp="1" noChangeAspect="1"/>
-          </p:cNvPicPr>
+            <a:r>
+              <a:rPr lang="lt-LT" dirty="0"/>
+              <a:t>Išvados</a:t>
+            </a:r>
+          </a:p>
+        </p:txBody>
+      </p:sp>
+      <p:sp>
+        <p:nvSpPr>
+          <p:cNvPr id="3" name="Content Placeholder 2"/>
+          <p:cNvSpPr>
+            <a:spLocks noGrp="1"/>
+          </p:cNvSpPr>
           <p:nvPr>
             <p:ph idx="1"/>
           </p:nvPr>
-        </p:nvPicPr>
-        <p:blipFill>
-          <a:blip r:embed="rId3"/>
-          <a:stretch>
-            <a:fillRect/>
-          </a:stretch>
-        </p:blipFill>
-        <p:spPr>
-          <a:xfrm>
-            <a:off x="3835824" y="106862"/>
-            <a:ext cx="7834400" cy="5895386"/>
-          </a:xfrm>
-          <a:prstGeom prst="rect">
-            <a:avLst/>
-          </a:prstGeom>
-        </p:spPr>
-      </p:pic>
-      <p:sp>
-        <p:nvSpPr>
-          <p:cNvPr id="2" name="Title 1"/>
-          <p:cNvSpPr>
-            <a:spLocks noGrp="1"/>
-          </p:cNvSpPr>
-          <p:nvPr>
-            <p:ph type="title"/>
-          </p:nvPr>
-        </p:nvSpPr>
-        <p:spPr>
-          <a:xfrm>
-            <a:off x="659301" y="1474969"/>
-            <a:ext cx="2823919" cy="1868760"/>
-          </a:xfrm>
-        </p:spPr>
-        <p:txBody>
-          <a:bodyPr vert="horz" lIns="91440" tIns="45720" rIns="91440" bIns="0" rtlCol="0" anchor="b">
-            <a:normAutofit/>
-          </a:bodyPr>
-          <a:lstStyle/>
-          <a:p>
-            <a:r>
-              <a:rPr lang="en-US" sz="3600"/>
-              <a:t>Panaudos atvejų diagrama</a:t>
-            </a:r>
+        </p:nvSpPr>
+        <p:spPr/>
+        <p:txBody>
+          <a:bodyPr/>
+          <a:lstStyle/>
+          <a:p>
+            <a:endParaRPr lang="lt-LT"/>
           </a:p>
         </p:txBody>
       </p:sp>
     </p:spTree>
     <p:extLst>
       <p:ext uri="{BB962C8B-B14F-4D97-AF65-F5344CB8AC3E}">
-        <p14:creationId xmlns:p14="http://schemas.microsoft.com/office/powerpoint/2010/main" val="1912698482"/>
+        <p14:creationId xmlns:p14="http://schemas.microsoft.com/office/powerpoint/2010/main" val="2593600179"/>
       </p:ext>
     </p:extLst>
   </p:cSld>
@@ -4573,172 +3857,6 @@
             <a:pPr algn="ctr"/>
             <a:r>
               <a:rPr lang="lt-LT" dirty="0"/>
-              <a:t>Kūrimo priemonės</a:t>
-            </a:r>
-          </a:p>
-        </p:txBody>
-      </p:sp>
-      <p:sp>
-        <p:nvSpPr>
-          <p:cNvPr id="3" name="Content Placeholder 2"/>
-          <p:cNvSpPr>
-            <a:spLocks noGrp="1"/>
-          </p:cNvSpPr>
-          <p:nvPr>
-            <p:ph idx="1"/>
-          </p:nvPr>
-        </p:nvSpPr>
-        <p:spPr/>
-        <p:txBody>
-          <a:bodyPr/>
-          <a:lstStyle/>
-          <a:p>
-            <a:r>
-              <a:rPr lang="lt-LT" dirty="0"/>
-              <a:t>Unity</a:t>
-            </a:r>
-          </a:p>
-          <a:p>
-            <a:r>
-              <a:rPr lang="lt-LT" dirty="0"/>
-              <a:t>Photoshop</a:t>
-            </a:r>
-          </a:p>
-          <a:p>
-            <a:r>
-              <a:rPr lang="lt-LT" dirty="0"/>
-              <a:t>Visual Studio</a:t>
-            </a:r>
-          </a:p>
-        </p:txBody>
-      </p:sp>
-    </p:spTree>
-    <p:extLst>
-      <p:ext uri="{BB962C8B-B14F-4D97-AF65-F5344CB8AC3E}">
-        <p14:creationId xmlns:p14="http://schemas.microsoft.com/office/powerpoint/2010/main" val="1919320893"/>
-      </p:ext>
-    </p:extLst>
-  </p:cSld>
-  <p:clrMapOvr>
-    <a:masterClrMapping/>
-  </p:clrMapOvr>
-</p:sld>
-</file>
-
-<file path=ppt/slides/slide12.xml><?xml version="1.0" encoding="utf-8"?>
-<p:sld xmlns:a="http://schemas.openxmlformats.org/drawingml/2006/main" xmlns:r="http://schemas.openxmlformats.org/officeDocument/2006/relationships" xmlns:p="http://schemas.openxmlformats.org/presentationml/2006/main">
-  <p:cSld>
-    <p:spTree>
-      <p:nvGrpSpPr>
-        <p:cNvPr id="1" name=""/>
-        <p:cNvGrpSpPr/>
-        <p:nvPr/>
-      </p:nvGrpSpPr>
-      <p:grpSpPr>
-        <a:xfrm>
-          <a:off x="0" y="0"/>
-          <a:ext cx="0" cy="0"/>
-          <a:chOff x="0" y="0"/>
-          <a:chExt cx="0" cy="0"/>
-        </a:xfrm>
-      </p:grpSpPr>
-      <p:sp>
-        <p:nvSpPr>
-          <p:cNvPr id="2" name="Title 1"/>
-          <p:cNvSpPr>
-            <a:spLocks noGrp="1"/>
-          </p:cNvSpPr>
-          <p:nvPr>
-            <p:ph type="title"/>
-          </p:nvPr>
-        </p:nvSpPr>
-        <p:spPr/>
-        <p:txBody>
-          <a:bodyPr/>
-          <a:lstStyle/>
-          <a:p>
-            <a:pPr algn="ctr"/>
-            <a:r>
-              <a:rPr lang="lt-LT" dirty="0"/>
-              <a:t>Išvados</a:t>
-            </a:r>
-          </a:p>
-        </p:txBody>
-      </p:sp>
-      <p:sp>
-        <p:nvSpPr>
-          <p:cNvPr id="3" name="Content Placeholder 2"/>
-          <p:cNvSpPr>
-            <a:spLocks noGrp="1"/>
-          </p:cNvSpPr>
-          <p:nvPr>
-            <p:ph idx="1"/>
-          </p:nvPr>
-        </p:nvSpPr>
-        <p:spPr/>
-        <p:txBody>
-          <a:bodyPr/>
-          <a:lstStyle/>
-          <a:p>
-            <a:r>
-              <a:rPr lang="lt-LT"/>
-              <a:t>Antro laboratorinio darbo metu sudarytos </a:t>
-            </a:r>
-            <a:r>
-              <a:rPr lang="lt-LT" dirty="0"/>
-              <a:t>klasių, būsenų, sekų ir panaudos atvejų diagramos. Nurodėmė kokius darbus jau padarėme ir kokie dar laukia.</a:t>
-            </a:r>
-          </a:p>
-        </p:txBody>
-      </p:sp>
-    </p:spTree>
-    <p:extLst>
-      <p:ext uri="{BB962C8B-B14F-4D97-AF65-F5344CB8AC3E}">
-        <p14:creationId xmlns:p14="http://schemas.microsoft.com/office/powerpoint/2010/main" val="2593600179"/>
-      </p:ext>
-    </p:extLst>
-  </p:cSld>
-  <p:clrMapOvr>
-    <a:masterClrMapping/>
-  </p:clrMapOvr>
-</p:sld>
-</file>
-
-<file path=ppt/slides/slide13.xml><?xml version="1.0" encoding="utf-8"?>
-<p:sld xmlns:a="http://schemas.openxmlformats.org/drawingml/2006/main" xmlns:r="http://schemas.openxmlformats.org/officeDocument/2006/relationships" xmlns:p="http://schemas.openxmlformats.org/presentationml/2006/main">
-  <p:cSld>
-    <p:spTree>
-      <p:nvGrpSpPr>
-        <p:cNvPr id="1" name=""/>
-        <p:cNvGrpSpPr/>
-        <p:nvPr/>
-      </p:nvGrpSpPr>
-      <p:grpSpPr>
-        <a:xfrm>
-          <a:off x="0" y="0"/>
-          <a:ext cx="0" cy="0"/>
-          <a:chOff x="0" y="0"/>
-          <a:chExt cx="0" cy="0"/>
-        </a:xfrm>
-      </p:grpSpPr>
-      <p:sp>
-        <p:nvSpPr>
-          <p:cNvPr id="2" name="Title 1"/>
-          <p:cNvSpPr>
-            <a:spLocks noGrp="1"/>
-          </p:cNvSpPr>
-          <p:nvPr>
-            <p:ph type="title"/>
-          </p:nvPr>
-        </p:nvSpPr>
-        <p:spPr/>
-        <p:txBody>
-          <a:bodyPr/>
-          <a:lstStyle/>
-          <a:p>
-            <a:pPr algn="ctr"/>
-            <a:r>
-              <a:rPr lang="lt-LT" dirty="0"/>
               <a:t>Ačiū už dėmesį</a:t>
             </a:r>
           </a:p>
@@ -4768,7 +3886,7 @@
         </p:blipFill>
         <p:spPr bwMode="auto">
           <a:xfrm>
-            <a:off x="4952852" y="2413524"/>
+            <a:off x="4952852" y="2460018"/>
             <a:ext cx="2683845" cy="2648219"/>
           </a:xfrm>
           <a:prstGeom prst="rect">
@@ -4851,62 +3969,10 @@
         </p:nvSpPr>
         <p:spPr/>
         <p:txBody>
-          <a:bodyPr>
-            <a:normAutofit fontScale="92500" lnSpcReduction="20000"/>
-          </a:bodyPr>
-          <a:lstStyle/>
-          <a:p>
-            <a:r>
-              <a:rPr lang="en-US" dirty="0" err="1"/>
-              <a:t>Tikslai</a:t>
-            </a:r>
-            <a:endParaRPr lang="en-US" dirty="0"/>
-          </a:p>
-          <a:p>
-            <a:r>
-              <a:rPr lang="en-US" dirty="0"/>
-              <a:t>Program</a:t>
-            </a:r>
-            <a:r>
-              <a:rPr lang="lt-LT" dirty="0"/>
-              <a:t>ėlės šablonas</a:t>
-            </a:r>
-          </a:p>
-          <a:p>
-            <a:r>
-              <a:rPr lang="lt-LT" dirty="0"/>
-              <a:t>Klasių diagrama</a:t>
-            </a:r>
-          </a:p>
-          <a:p>
-            <a:r>
-              <a:rPr lang="lt-LT" dirty="0"/>
-              <a:t>Būsenų diagrama</a:t>
-            </a:r>
-          </a:p>
-          <a:p>
-            <a:r>
-              <a:rPr lang="lt-LT" dirty="0"/>
-              <a:t>Sekų diagrama</a:t>
-            </a:r>
-          </a:p>
-          <a:p>
-            <a:r>
-              <a:rPr lang="lt-LT" dirty="0"/>
-              <a:t>Panaudos atvejų diagrama</a:t>
-            </a:r>
-          </a:p>
-          <a:p>
-            <a:r>
-              <a:rPr lang="lt-LT" dirty="0"/>
-              <a:t>Kūrimo priemonės</a:t>
-            </a:r>
-          </a:p>
-          <a:p>
-            <a:r>
-              <a:rPr lang="lt-LT" dirty="0"/>
-              <a:t>Išvados</a:t>
-            </a:r>
+          <a:bodyPr/>
+          <a:lstStyle/>
+          <a:p>
+            <a:endParaRPr lang="lt-LT" dirty="0"/>
           </a:p>
         </p:txBody>
       </p:sp>
@@ -5055,35 +4121,25 @@
           </a:p>
         </p:txBody>
       </p:sp>
-      <p:pic>
-        <p:nvPicPr>
-          <p:cNvPr id="4" name="Content Placeholder 3"/>
-          <p:cNvPicPr>
-            <a:picLocks noGrp="1" noChangeAspect="1"/>
-          </p:cNvPicPr>
+      <p:sp>
+        <p:nvSpPr>
+          <p:cNvPr id="3" name="Content Placeholder 2"/>
+          <p:cNvSpPr>
+            <a:spLocks noGrp="1"/>
+          </p:cNvSpPr>
           <p:nvPr>
             <p:ph idx="1"/>
           </p:nvPr>
-        </p:nvPicPr>
-        <p:blipFill>
-          <a:blip r:embed="rId2" cstate="print">
-            <a:extLst>
-              <a:ext uri="{28A0092B-C50C-407E-A947-70E740481C1C}">
-                <a14:useLocalDpi xmlns:a14="http://schemas.microsoft.com/office/drawing/2010/main" val="0"/>
-              </a:ext>
-            </a:extLst>
-          </a:blip>
-          <a:stretch>
-            <a:fillRect/>
-          </a:stretch>
-        </p:blipFill>
-        <p:spPr>
-          <a:xfrm>
-            <a:off x="3228887" y="2016125"/>
-            <a:ext cx="6132689" cy="3449638"/>
-          </a:xfrm>
-        </p:spPr>
-      </p:pic>
+        </p:nvSpPr>
+        <p:spPr/>
+        <p:txBody>
+          <a:bodyPr/>
+          <a:lstStyle/>
+          <a:p>
+            <a:endParaRPr lang="lt-LT" dirty="0"/>
+          </a:p>
+        </p:txBody>
+      </p:sp>
     </p:spTree>
     <p:extLst>
       <p:ext uri="{BB962C8B-B14F-4D97-AF65-F5344CB8AC3E}">
@@ -5129,43 +4185,37 @@
           <a:bodyPr/>
           <a:lstStyle/>
           <a:p>
+            <a:pPr algn="ctr"/>
+            <a:r>
+              <a:rPr lang="lt-LT" dirty="0"/>
+              <a:t>Klasių diagrama</a:t>
+            </a:r>
+          </a:p>
+        </p:txBody>
+      </p:sp>
+      <p:sp>
+        <p:nvSpPr>
+          <p:cNvPr id="3" name="Content Placeholder 2"/>
+          <p:cNvSpPr>
+            <a:spLocks noGrp="1"/>
+          </p:cNvSpPr>
+          <p:nvPr>
+            <p:ph idx="1"/>
+          </p:nvPr>
+        </p:nvSpPr>
+        <p:spPr/>
+        <p:txBody>
+          <a:bodyPr/>
+          <a:lstStyle/>
+          <a:p>
             <a:endParaRPr lang="lt-LT"/>
           </a:p>
         </p:txBody>
       </p:sp>
-      <p:pic>
-        <p:nvPicPr>
-          <p:cNvPr id="4" name="Content Placeholder 3"/>
-          <p:cNvPicPr>
-            <a:picLocks noGrp="1" noChangeAspect="1"/>
-          </p:cNvPicPr>
-          <p:nvPr>
-            <p:ph idx="1"/>
-          </p:nvPr>
-        </p:nvPicPr>
-        <p:blipFill>
-          <a:blip r:embed="rId2" cstate="print">
-            <a:extLst>
-              <a:ext uri="{28A0092B-C50C-407E-A947-70E740481C1C}">
-                <a14:useLocalDpi xmlns:a14="http://schemas.microsoft.com/office/drawing/2010/main" val="0"/>
-              </a:ext>
-            </a:extLst>
-          </a:blip>
-          <a:stretch>
-            <a:fillRect/>
-          </a:stretch>
-        </p:blipFill>
-        <p:spPr>
-          <a:xfrm>
-            <a:off x="3228887" y="2016125"/>
-            <a:ext cx="6132689" cy="3449638"/>
-          </a:xfrm>
-        </p:spPr>
-      </p:pic>
     </p:spTree>
     <p:extLst>
       <p:ext uri="{BB962C8B-B14F-4D97-AF65-F5344CB8AC3E}">
-        <p14:creationId xmlns:p14="http://schemas.microsoft.com/office/powerpoint/2010/main" val="570430174"/>
+        <p14:creationId xmlns:p14="http://schemas.microsoft.com/office/powerpoint/2010/main" val="1803491544"/>
       </p:ext>
     </p:extLst>
   </p:cSld>
@@ -5207,43 +4257,37 @@
           <a:bodyPr/>
           <a:lstStyle/>
           <a:p>
+            <a:pPr algn="ctr"/>
+            <a:r>
+              <a:rPr lang="lt-LT" dirty="0"/>
+              <a:t>Būsenų diagrama</a:t>
+            </a:r>
+          </a:p>
+        </p:txBody>
+      </p:sp>
+      <p:sp>
+        <p:nvSpPr>
+          <p:cNvPr id="3" name="Content Placeholder 2"/>
+          <p:cNvSpPr>
+            <a:spLocks noGrp="1"/>
+          </p:cNvSpPr>
+          <p:nvPr>
+            <p:ph idx="1"/>
+          </p:nvPr>
+        </p:nvSpPr>
+        <p:spPr/>
+        <p:txBody>
+          <a:bodyPr/>
+          <a:lstStyle/>
+          <a:p>
             <a:endParaRPr lang="lt-LT"/>
           </a:p>
         </p:txBody>
       </p:sp>
-      <p:pic>
-        <p:nvPicPr>
-          <p:cNvPr id="4" name="Content Placeholder 3"/>
-          <p:cNvPicPr>
-            <a:picLocks noGrp="1" noChangeAspect="1"/>
-          </p:cNvPicPr>
-          <p:nvPr>
-            <p:ph idx="1"/>
-          </p:nvPr>
-        </p:nvPicPr>
-        <p:blipFill>
-          <a:blip r:embed="rId2" cstate="print">
-            <a:extLst>
-              <a:ext uri="{28A0092B-C50C-407E-A947-70E740481C1C}">
-                <a14:useLocalDpi xmlns:a14="http://schemas.microsoft.com/office/drawing/2010/main" val="0"/>
-              </a:ext>
-            </a:extLst>
-          </a:blip>
-          <a:stretch>
-            <a:fillRect/>
-          </a:stretch>
-        </p:blipFill>
-        <p:spPr>
-          <a:xfrm>
-            <a:off x="3228887" y="2016125"/>
-            <a:ext cx="6132689" cy="3449638"/>
-          </a:xfrm>
-        </p:spPr>
-      </p:pic>
     </p:spTree>
     <p:extLst>
       <p:ext uri="{BB962C8B-B14F-4D97-AF65-F5344CB8AC3E}">
-        <p14:creationId xmlns:p14="http://schemas.microsoft.com/office/powerpoint/2010/main" val="1239437945"/>
+        <p14:creationId xmlns:p14="http://schemas.microsoft.com/office/powerpoint/2010/main" val="2378020360"/>
       </p:ext>
     </p:extLst>
   </p:cSld>
@@ -5288,44 +4332,34 @@
             <a:pPr algn="ctr"/>
             <a:r>
               <a:rPr lang="lt-LT" dirty="0"/>
-              <a:t>Klasių diagrama</a:t>
-            </a:r>
-          </a:p>
-        </p:txBody>
-      </p:sp>
-      <p:pic>
-        <p:nvPicPr>
-          <p:cNvPr id="4" name="Content Placeholder 3"/>
-          <p:cNvPicPr>
-            <a:picLocks noGrp="1" noChangeAspect="1"/>
-          </p:cNvPicPr>
+              <a:t>Sekų diagrama</a:t>
+            </a:r>
+          </a:p>
+        </p:txBody>
+      </p:sp>
+      <p:sp>
+        <p:nvSpPr>
+          <p:cNvPr id="3" name="Content Placeholder 2"/>
+          <p:cNvSpPr>
+            <a:spLocks noGrp="1"/>
+          </p:cNvSpPr>
           <p:nvPr>
             <p:ph idx="1"/>
           </p:nvPr>
-        </p:nvPicPr>
-        <p:blipFill>
-          <a:blip r:embed="rId2">
-            <a:extLst>
-              <a:ext uri="{28A0092B-C50C-407E-A947-70E740481C1C}">
-                <a14:useLocalDpi xmlns:a14="http://schemas.microsoft.com/office/drawing/2010/main" val="0"/>
-              </a:ext>
-            </a:extLst>
-          </a:blip>
-          <a:stretch>
-            <a:fillRect/>
-          </a:stretch>
-        </p:blipFill>
-        <p:spPr>
-          <a:xfrm>
-            <a:off x="3392557" y="1853754"/>
-            <a:ext cx="5897218" cy="4090726"/>
-          </a:xfrm>
-        </p:spPr>
-      </p:pic>
+        </p:nvSpPr>
+        <p:spPr/>
+        <p:txBody>
+          <a:bodyPr/>
+          <a:lstStyle/>
+          <a:p>
+            <a:endParaRPr lang="lt-LT"/>
+          </a:p>
+        </p:txBody>
+      </p:sp>
     </p:spTree>
     <p:extLst>
       <p:ext uri="{BB962C8B-B14F-4D97-AF65-F5344CB8AC3E}">
-        <p14:creationId xmlns:p14="http://schemas.microsoft.com/office/powerpoint/2010/main" val="1803491544"/>
+        <p14:creationId xmlns:p14="http://schemas.microsoft.com/office/powerpoint/2010/main" val="3167586222"/>
       </p:ext>
     </p:extLst>
   </p:cSld>
@@ -5362,12 +4396,7 @@
             <p:ph type="title"/>
           </p:nvPr>
         </p:nvSpPr>
-        <p:spPr>
-          <a:xfrm>
-            <a:off x="1457422" y="134817"/>
-            <a:ext cx="9520158" cy="1049235"/>
-          </a:xfrm>
-        </p:spPr>
+        <p:spPr/>
         <p:txBody>
           <a:bodyPr/>
           <a:lstStyle/>
@@ -5375,41 +4404,34 @@
             <a:pPr algn="ctr"/>
             <a:r>
               <a:rPr lang="lt-LT" dirty="0"/>
-              <a:t>Būsenų diagrama</a:t>
-            </a:r>
-          </a:p>
-        </p:txBody>
-      </p:sp>
-      <p:pic>
-        <p:nvPicPr>
-          <p:cNvPr id="4" name="Content Placeholder 3"/>
-          <p:cNvPicPr>
-            <a:picLocks noGrp="1" noChangeAspect="1"/>
-          </p:cNvPicPr>
+              <a:t>Panaudos atvejų diagrama</a:t>
+            </a:r>
+          </a:p>
+        </p:txBody>
+      </p:sp>
+      <p:sp>
+        <p:nvSpPr>
+          <p:cNvPr id="3" name="Content Placeholder 2"/>
+          <p:cNvSpPr>
+            <a:spLocks noGrp="1"/>
+          </p:cNvSpPr>
           <p:nvPr>
             <p:ph idx="1"/>
           </p:nvPr>
-        </p:nvPicPr>
-        <p:blipFill>
-          <a:blip r:embed="rId2"/>
-          <a:stretch>
-            <a:fillRect/>
-          </a:stretch>
-        </p:blipFill>
-        <p:spPr>
-          <a:xfrm>
-            <a:off x="2875501" y="1390918"/>
-            <a:ext cx="6559416" cy="4507605"/>
-          </a:xfrm>
-          <a:prstGeom prst="rect">
-            <a:avLst/>
-          </a:prstGeom>
-        </p:spPr>
-      </p:pic>
+        </p:nvSpPr>
+        <p:spPr/>
+        <p:txBody>
+          <a:bodyPr/>
+          <a:lstStyle/>
+          <a:p>
+            <a:endParaRPr lang="lt-LT" dirty="0"/>
+          </a:p>
+        </p:txBody>
+      </p:sp>
     </p:spTree>
     <p:extLst>
       <p:ext uri="{BB962C8B-B14F-4D97-AF65-F5344CB8AC3E}">
-        <p14:creationId xmlns:p14="http://schemas.microsoft.com/office/powerpoint/2010/main" val="2378020360"/>
+        <p14:creationId xmlns:p14="http://schemas.microsoft.com/office/powerpoint/2010/main" val="1912698482"/>
       </p:ext>
     </p:extLst>
   </p:cSld>
@@ -5438,751 +4460,50 @@
       </p:grpSpPr>
       <p:sp>
         <p:nvSpPr>
-          <p:cNvPr id="9" name="Rectangle 8"/>
-          <p:cNvSpPr>
-            <a:spLocks noGrp="1" noRot="1" noChangeAspect="1" noMove="1" noResize="1" noEditPoints="1" noAdjustHandles="1" noChangeArrowheads="1" noChangeShapeType="1" noTextEdit="1"/>
-          </p:cNvSpPr>
-          <p:nvPr>
-            <p:extLst>
-              <p:ext uri="{386F3935-93C4-4BCD-93E2-E3B085C9AB24}">
-                <p16:designElem xmlns="" xmlns:p16="http://schemas.microsoft.com/office/powerpoint/2015/main" val="1"/>
-              </p:ext>
-            </p:extLst>
-          </p:nvPr>
-        </p:nvSpPr>
-        <p:spPr bwMode="white">
-          <a:xfrm>
-            <a:off x="0" y="0"/>
-            <a:ext cx="12192000" cy="6858000"/>
-          </a:xfrm>
-          <a:prstGeom prst="rect">
-            <a:avLst/>
-          </a:prstGeom>
-          <a:gradFill rotWithShape="1">
-            <a:gsLst>
-              <a:gs pos="0">
-                <a:schemeClr val="bg2">
-                  <a:tint val="94000"/>
-                  <a:satMod val="80000"/>
-                  <a:lumMod val="106000"/>
-                </a:schemeClr>
-              </a:gs>
-              <a:gs pos="100000">
-                <a:schemeClr val="bg2">
-                  <a:shade val="80000"/>
-                </a:schemeClr>
-              </a:gs>
-            </a:gsLst>
-            <a:path path="circle">
-              <a:fillToRect l="43000" r="43000" b="100000"/>
-            </a:path>
-          </a:gradFill>
-          <a:ln>
-            <a:noFill/>
-          </a:ln>
-          <a:effectLst/>
-        </p:spPr>
-      </p:sp>
-      <p:sp>
-        <p:nvSpPr>
-          <p:cNvPr id="11" name="Rectangle 10"/>
-          <p:cNvSpPr>
-            <a:spLocks noGrp="1" noRot="1" noChangeAspect="1" noMove="1" noResize="1" noEditPoints="1" noAdjustHandles="1" noChangeArrowheads="1" noChangeShapeType="1" noTextEdit="1"/>
-          </p:cNvSpPr>
-          <p:nvPr>
-            <p:extLst>
-              <p:ext uri="{386F3935-93C4-4BCD-93E2-E3B085C9AB24}">
-                <p16:designElem xmlns="" xmlns:p16="http://schemas.microsoft.com/office/powerpoint/2015/main" val="1"/>
-              </p:ext>
-            </p:extLst>
-          </p:nvPr>
-        </p:nvSpPr>
-        <p:spPr>
-          <a:xfrm>
-            <a:off x="0" y="2015732"/>
-            <a:ext cx="12192000" cy="4118829"/>
-          </a:xfrm>
-          <a:prstGeom prst="rect">
-            <a:avLst/>
-          </a:prstGeom>
-          <a:gradFill flip="none" rotWithShape="1">
-            <a:gsLst>
-              <a:gs pos="0">
-                <a:schemeClr val="bg2">
-                  <a:alpha val="0"/>
-                </a:schemeClr>
-              </a:gs>
-              <a:gs pos="100000">
-                <a:schemeClr val="bg2"/>
-              </a:gs>
-            </a:gsLst>
-            <a:lin ang="5400000" scaled="0"/>
-            <a:tileRect/>
-          </a:gradFill>
-          <a:ln>
-            <a:noFill/>
-          </a:ln>
-        </p:spPr>
-        <p:style>
-          <a:lnRef idx="2">
-            <a:schemeClr val="accent1">
-              <a:shade val="50000"/>
-            </a:schemeClr>
-          </a:lnRef>
-          <a:fillRef idx="1">
-            <a:schemeClr val="accent1"/>
-          </a:fillRef>
-          <a:effectRef idx="0">
-            <a:schemeClr val="accent1"/>
-          </a:effectRef>
-          <a:fontRef idx="minor">
-            <a:schemeClr val="lt1"/>
-          </a:fontRef>
-        </p:style>
-      </p:sp>
-      <p:pic>
-        <p:nvPicPr>
-          <p:cNvPr id="13" name="Picture 12"/>
-          <p:cNvPicPr>
-            <a:picLocks noGrp="1" noRot="1" noChangeAspect="1" noMove="1" noResize="1" noEditPoints="1" noAdjustHandles="1" noChangeArrowheads="1" noChangeShapeType="1" noCrop="1"/>
-          </p:cNvPicPr>
-          <p:nvPr>
-            <p:extLst>
-              <p:ext uri="{386F3935-93C4-4BCD-93E2-E3B085C9AB24}">
-                <p16:designElem xmlns="" xmlns:p16="http://schemas.microsoft.com/office/powerpoint/2015/main" val="1"/>
-              </p:ext>
-            </p:extLst>
-          </p:nvPr>
-        </p:nvPicPr>
-        <p:blipFill rotWithShape="1">
-          <a:blip r:embed="rId2"/>
-          <a:srcRect t="2769" b="-2769"/>
-          <a:stretch/>
-        </p:blipFill>
-        <p:spPr>
-          <a:xfrm>
-            <a:off x="0" y="6135624"/>
-            <a:ext cx="12192000" cy="742950"/>
-          </a:xfrm>
-          <a:prstGeom prst="rect">
-            <a:avLst/>
-          </a:prstGeom>
-        </p:spPr>
-      </p:pic>
-      <p:cxnSp>
-        <p:nvCxnSpPr>
-          <p:cNvPr id="15" name="Straight Connector 14"/>
-          <p:cNvCxnSpPr>
-            <a:cxnSpLocks noGrp="1" noRot="1" noChangeAspect="1" noMove="1" noResize="1" noEditPoints="1" noAdjustHandles="1" noChangeArrowheads="1" noChangeShapeType="1"/>
-          </p:cNvCxnSpPr>
-          <p:nvPr>
-            <p:extLst>
-              <p:ext uri="{386F3935-93C4-4BCD-93E2-E3B085C9AB24}">
-                <p16:designElem xmlns="" xmlns:p16="http://schemas.microsoft.com/office/powerpoint/2015/main" val="1"/>
-              </p:ext>
-            </p:extLst>
-          </p:nvPr>
-        </p:nvCxnSpPr>
-        <p:spPr>
-          <a:xfrm>
-            <a:off x="0" y="6141705"/>
-            <a:ext cx="12192000" cy="0"/>
-          </a:xfrm>
-          <a:prstGeom prst="line">
-            <a:avLst/>
-          </a:prstGeom>
-          <a:ln w="12700">
-            <a:solidFill>
-              <a:srgbClr val="000001">
-                <a:alpha val="20000"/>
-              </a:srgbClr>
-            </a:solidFill>
-          </a:ln>
-        </p:spPr>
-        <p:style>
-          <a:lnRef idx="1">
-            <a:schemeClr val="accent1"/>
-          </a:lnRef>
-          <a:fillRef idx="0">
-            <a:schemeClr val="accent1"/>
-          </a:fillRef>
-          <a:effectRef idx="0">
-            <a:schemeClr val="accent1"/>
-          </a:effectRef>
-          <a:fontRef idx="minor">
-            <a:schemeClr val="tx1"/>
-          </a:fontRef>
-        </p:style>
-      </p:cxnSp>
-      <p:cxnSp>
-        <p:nvCxnSpPr>
-          <p:cNvPr id="17" name="Straight Connector 16"/>
-          <p:cNvCxnSpPr>
-            <a:cxnSpLocks noGrp="1" noRot="1" noChangeAspect="1" noMove="1" noResize="1" noEditPoints="1" noAdjustHandles="1" noChangeArrowheads="1" noChangeShapeType="1"/>
-          </p:cNvCxnSpPr>
-          <p:nvPr>
-            <p:extLst>
-              <p:ext uri="{386F3935-93C4-4BCD-93E2-E3B085C9AB24}">
-                <p16:designElem xmlns="" xmlns:p16="http://schemas.microsoft.com/office/powerpoint/2015/main" val="1"/>
-              </p:ext>
-            </p:extLst>
-          </p:nvPr>
-        </p:nvCxnSpPr>
-        <p:spPr>
-          <a:xfrm>
-            <a:off x="2334637" y="798973"/>
-            <a:ext cx="0" cy="2544756"/>
-          </a:xfrm>
-          <a:prstGeom prst="line">
-            <a:avLst/>
-          </a:prstGeom>
-          <a:ln w="38100" cmpd="sng">
-            <a:solidFill>
-              <a:schemeClr val="accent1"/>
-            </a:solidFill>
-            <a:prstDash val="solid"/>
-            <a:tailEnd type="none"/>
-          </a:ln>
-        </p:spPr>
-        <p:style>
-          <a:lnRef idx="3">
-            <a:schemeClr val="accent1"/>
-          </a:lnRef>
-          <a:fillRef idx="0">
-            <a:schemeClr val="accent1"/>
-          </a:fillRef>
-          <a:effectRef idx="2">
-            <a:schemeClr val="accent1"/>
-          </a:effectRef>
-          <a:fontRef idx="minor">
-            <a:schemeClr val="tx1"/>
-          </a:fontRef>
-        </p:style>
-      </p:cxnSp>
-      <p:sp useBgFill="1">
-        <p:nvSpPr>
-          <p:cNvPr id="19" name="Rectangle 18"/>
-          <p:cNvSpPr>
-            <a:spLocks noGrp="1" noRot="1" noChangeAspect="1" noMove="1" noResize="1" noEditPoints="1" noAdjustHandles="1" noChangeArrowheads="1" noChangeShapeType="1" noTextEdit="1"/>
-          </p:cNvSpPr>
-          <p:nvPr>
-            <p:extLst>
-              <p:ext uri="{386F3935-93C4-4BCD-93E2-E3B085C9AB24}">
-                <p16:designElem xmlns="" xmlns:p16="http://schemas.microsoft.com/office/powerpoint/2015/main" val="1"/>
-              </p:ext>
-            </p:extLst>
-          </p:nvPr>
-        </p:nvSpPr>
-        <p:spPr>
-          <a:xfrm>
-            <a:off x="2" y="0"/>
-            <a:ext cx="12191695" cy="6858000"/>
-          </a:xfrm>
-          <a:prstGeom prst="rect">
-            <a:avLst/>
-          </a:prstGeom>
-          <a:ln>
-            <a:noFill/>
-          </a:ln>
-        </p:spPr>
-        <p:style>
-          <a:lnRef idx="2">
-            <a:schemeClr val="accent1">
-              <a:shade val="50000"/>
-            </a:schemeClr>
-          </a:lnRef>
-          <a:fillRef idx="1">
-            <a:schemeClr val="accent1"/>
-          </a:fillRef>
-          <a:effectRef idx="0">
-            <a:schemeClr val="accent1"/>
-          </a:effectRef>
-          <a:fontRef idx="minor">
-            <a:schemeClr val="lt1"/>
-          </a:fontRef>
-        </p:style>
-        <p:txBody>
-          <a:bodyPr rtlCol="0" anchor="ctr"/>
+          <p:cNvPr id="2" name="Title 1"/>
+          <p:cNvSpPr>
+            <a:spLocks noGrp="1"/>
+          </p:cNvSpPr>
+          <p:nvPr>
+            <p:ph type="title"/>
+          </p:nvPr>
+        </p:nvSpPr>
+        <p:spPr/>
+        <p:txBody>
+          <a:bodyPr/>
           <a:lstStyle/>
           <a:p>
             <a:pPr algn="ctr"/>
-            <a:endParaRPr lang="en-US"/>
-          </a:p>
-        </p:txBody>
-      </p:sp>
-      <p:sp>
-        <p:nvSpPr>
-          <p:cNvPr id="21" name="Rectangle 20"/>
-          <p:cNvSpPr>
-            <a:spLocks noGrp="1" noRot="1" noChangeAspect="1" noMove="1" noResize="1" noEditPoints="1" noAdjustHandles="1" noChangeArrowheads="1" noChangeShapeType="1" noTextEdit="1"/>
-          </p:cNvSpPr>
-          <p:nvPr>
-            <p:extLst>
-              <p:ext uri="{386F3935-93C4-4BCD-93E2-E3B085C9AB24}">
-                <p16:designElem xmlns="" xmlns:p16="http://schemas.microsoft.com/office/powerpoint/2015/main" val="1"/>
-              </p:ext>
-            </p:extLst>
-          </p:nvPr>
-        </p:nvSpPr>
-        <p:spPr>
-          <a:xfrm>
-            <a:off x="0" y="2015732"/>
-            <a:ext cx="12192000" cy="4118829"/>
-          </a:xfrm>
-          <a:prstGeom prst="rect">
-            <a:avLst/>
-          </a:prstGeom>
-          <a:gradFill flip="none" rotWithShape="1">
-            <a:gsLst>
-              <a:gs pos="0">
-                <a:schemeClr val="bg2">
-                  <a:alpha val="0"/>
-                </a:schemeClr>
-              </a:gs>
-              <a:gs pos="100000">
-                <a:schemeClr val="bg2"/>
-              </a:gs>
-            </a:gsLst>
-            <a:lin ang="5400000" scaled="0"/>
-            <a:tileRect/>
-          </a:gradFill>
-          <a:ln>
-            <a:noFill/>
-          </a:ln>
-        </p:spPr>
-        <p:style>
-          <a:lnRef idx="2">
-            <a:schemeClr val="accent1">
-              <a:shade val="50000"/>
-            </a:schemeClr>
-          </a:lnRef>
-          <a:fillRef idx="1">
-            <a:schemeClr val="accent1"/>
-          </a:fillRef>
-          <a:effectRef idx="0">
-            <a:schemeClr val="accent1"/>
-          </a:effectRef>
-          <a:fontRef idx="minor">
-            <a:schemeClr val="lt1"/>
-          </a:fontRef>
-        </p:style>
-        <p:txBody>
-          <a:bodyPr rtlCol="0" anchor="ctr"/>
-          <a:lstStyle/>
-          <a:p>
-            <a:pPr lvl="0" algn="ctr"/>
-            <a:endParaRPr lang="en-US"/>
-          </a:p>
-        </p:txBody>
-      </p:sp>
-      <p:pic>
-        <p:nvPicPr>
-          <p:cNvPr id="23" name="Picture 22"/>
-          <p:cNvPicPr>
-            <a:picLocks noGrp="1" noRot="1" noChangeAspect="1" noMove="1" noResize="1" noEditPoints="1" noAdjustHandles="1" noChangeArrowheads="1" noChangeShapeType="1" noCrop="1"/>
-          </p:cNvPicPr>
-          <p:nvPr>
-            <p:extLst>
-              <p:ext uri="{386F3935-93C4-4BCD-93E2-E3B085C9AB24}">
-                <p16:designElem xmlns="" xmlns:p16="http://schemas.microsoft.com/office/powerpoint/2015/main" val="1"/>
-              </p:ext>
-            </p:extLst>
-          </p:nvPr>
-        </p:nvPicPr>
-        <p:blipFill rotWithShape="1">
-          <a:blip r:embed="rId2"/>
-          <a:srcRect t="2769" b="-2769"/>
-          <a:stretch/>
-        </p:blipFill>
-        <p:spPr>
-          <a:xfrm>
-            <a:off x="0" y="6135624"/>
-            <a:ext cx="12192000" cy="742950"/>
-          </a:xfrm>
-          <a:prstGeom prst="rect">
-            <a:avLst/>
-          </a:prstGeom>
-        </p:spPr>
-      </p:pic>
-      <p:cxnSp>
-        <p:nvCxnSpPr>
-          <p:cNvPr id="25" name="Straight Connector 24"/>
-          <p:cNvCxnSpPr>
-            <a:cxnSpLocks noGrp="1" noRot="1" noChangeAspect="1" noMove="1" noResize="1" noEditPoints="1" noAdjustHandles="1" noChangeArrowheads="1" noChangeShapeType="1"/>
-          </p:cNvCxnSpPr>
-          <p:nvPr>
-            <p:extLst>
-              <p:ext uri="{386F3935-93C4-4BCD-93E2-E3B085C9AB24}">
-                <p16:designElem xmlns="" xmlns:p16="http://schemas.microsoft.com/office/powerpoint/2015/main" val="1"/>
-              </p:ext>
-            </p:extLst>
-          </p:nvPr>
-        </p:nvCxnSpPr>
-        <p:spPr>
-          <a:xfrm>
-            <a:off x="0" y="6141705"/>
-            <a:ext cx="12192000" cy="0"/>
-          </a:xfrm>
-          <a:prstGeom prst="line">
-            <a:avLst/>
-          </a:prstGeom>
-          <a:ln w="12700">
-            <a:solidFill>
-              <a:srgbClr val="000001">
-                <a:alpha val="20000"/>
-              </a:srgbClr>
-            </a:solidFill>
-          </a:ln>
-        </p:spPr>
-        <p:style>
-          <a:lnRef idx="1">
-            <a:schemeClr val="accent1"/>
-          </a:lnRef>
-          <a:fillRef idx="0">
-            <a:schemeClr val="accent1"/>
-          </a:fillRef>
-          <a:effectRef idx="0">
-            <a:schemeClr val="accent1"/>
-          </a:effectRef>
-          <a:fontRef idx="minor">
-            <a:schemeClr val="tx1"/>
-          </a:fontRef>
-        </p:style>
-      </p:cxnSp>
-      <p:grpSp>
-        <p:nvGrpSpPr>
-          <p:cNvPr id="27" name="Group 26"/>
-          <p:cNvGrpSpPr>
-            <a:grpSpLocks noGrp="1" noUngrp="1" noRot="1" noChangeAspect="1" noMove="1" noResize="1"/>
-          </p:cNvGrpSpPr>
-          <p:nvPr>
-            <p:extLst>
-              <p:ext uri="{386F3935-93C4-4BCD-93E2-E3B085C9AB24}">
-                <p16:designElem xmlns="" xmlns:p16="http://schemas.microsoft.com/office/powerpoint/2015/main" val="1"/>
-              </p:ext>
-            </p:extLst>
-          </p:nvPr>
-        </p:nvGrpSpPr>
-        <p:grpSpPr>
-          <a:xfrm>
-            <a:off x="5460131" y="482171"/>
-            <a:ext cx="6091791" cy="5149101"/>
-            <a:chOff x="5460131" y="482171"/>
-            <a:chExt cx="6091791" cy="5149101"/>
-          </a:xfrm>
-        </p:grpSpPr>
-        <p:sp>
-          <p:nvSpPr>
-            <p:cNvPr id="28" name="Rectangle 27"/>
-            <p:cNvSpPr/>
-            <p:nvPr>
-              <p:extLst>
-                <p:ext uri="{386F3935-93C4-4BCD-93E2-E3B085C9AB24}">
-                  <p16:designElem xmlns="" xmlns:p16="http://schemas.microsoft.com/office/powerpoint/2015/main" val="1"/>
-                </p:ext>
-              </p:extLst>
-            </p:nvPr>
-          </p:nvSpPr>
-          <p:spPr>
-            <a:xfrm>
-              <a:off x="5460131" y="482171"/>
-              <a:ext cx="6091791" cy="5149101"/>
-            </a:xfrm>
-            <a:prstGeom prst="rect">
-              <a:avLst/>
-            </a:prstGeom>
-            <a:gradFill>
-              <a:gsLst>
-                <a:gs pos="0">
-                  <a:schemeClr val="bg2">
-                    <a:lumMod val="10000"/>
-                  </a:schemeClr>
-                </a:gs>
-                <a:gs pos="100000">
-                  <a:schemeClr val="bg2">
-                    <a:lumMod val="10000"/>
-                  </a:schemeClr>
-                </a:gs>
-              </a:gsLst>
-            </a:gradFill>
-            <a:ln w="76200" cmpd="sng">
-              <a:noFill/>
-              <a:miter lim="800000"/>
-            </a:ln>
-            <a:effectLst>
-              <a:outerShdw blurRad="127000" dist="228600" dir="4740000" sx="98000" sy="98000" algn="tl" rotWithShape="0">
-                <a:srgbClr val="000000">
-                  <a:alpha val="34000"/>
-                </a:srgbClr>
-              </a:outerShdw>
-            </a:effectLst>
-            <a:scene3d>
-              <a:camera prst="orthographicFront"/>
-              <a:lightRig rig="threePt" dir="t"/>
-            </a:scene3d>
-            <a:sp3d prstMaterial="matte">
-              <a:bevelT w="133350" h="50800" prst="divot"/>
-            </a:sp3d>
-          </p:spPr>
-          <p:style>
-            <a:lnRef idx="1">
-              <a:schemeClr val="accent1"/>
-            </a:lnRef>
-            <a:fillRef idx="3">
-              <a:schemeClr val="accent1"/>
-            </a:fillRef>
-            <a:effectRef idx="2">
-              <a:schemeClr val="accent1"/>
-            </a:effectRef>
-            <a:fontRef idx="minor">
-              <a:schemeClr val="lt1"/>
-            </a:fontRef>
-          </p:style>
-          <p:txBody>
-            <a:bodyPr rtlCol="0" anchor="ctr"/>
-            <a:lstStyle/>
-            <a:p>
-              <a:pPr algn="ctr"/>
-              <a:endParaRPr lang="en-US"/>
-            </a:p>
-          </p:txBody>
-        </p:sp>
-        <p:sp>
-          <p:nvSpPr>
-            <p:cNvPr id="29" name="Rectangle 28"/>
-            <p:cNvSpPr/>
-            <p:nvPr>
-              <p:extLst>
-                <p:ext uri="{386F3935-93C4-4BCD-93E2-E3B085C9AB24}">
-                  <p16:designElem xmlns="" xmlns:p16="http://schemas.microsoft.com/office/powerpoint/2015/main" val="1"/>
-                </p:ext>
-              </p:extLst>
-            </p:nvPr>
-          </p:nvSpPr>
-          <p:spPr>
-            <a:xfrm>
-              <a:off x="5778956" y="812507"/>
-              <a:ext cx="5461780" cy="4466452"/>
-            </a:xfrm>
-            <a:prstGeom prst="rect">
-              <a:avLst/>
-            </a:prstGeom>
-            <a:gradFill>
-              <a:gsLst>
-                <a:gs pos="0">
-                  <a:srgbClr val="DADADA"/>
-                </a:gs>
-                <a:gs pos="100000">
-                  <a:srgbClr val="FFFFFE"/>
-                </a:gs>
-              </a:gsLst>
-              <a:lin ang="16200000" scaled="0"/>
-            </a:gradFill>
-            <a:ln w="50800" cmpd="sng">
-              <a:solidFill>
-                <a:srgbClr val="191919"/>
-              </a:solidFill>
-              <a:miter lim="800000"/>
-            </a:ln>
-            <a:effectLst>
-              <a:innerShdw blurRad="63500" dist="88900" dir="14100000">
-                <a:srgbClr val="000000">
-                  <a:alpha val="30000"/>
-                </a:srgbClr>
-              </a:innerShdw>
-            </a:effectLst>
-            <a:scene3d>
-              <a:camera prst="orthographicFront"/>
-              <a:lightRig rig="threePt" dir="t"/>
-            </a:scene3d>
-            <a:sp3d>
-              <a:bevelT prst="relaxedInset"/>
-            </a:sp3d>
-          </p:spPr>
-          <p:style>
-            <a:lnRef idx="1">
-              <a:schemeClr val="accent1"/>
-            </a:lnRef>
-            <a:fillRef idx="3">
-              <a:schemeClr val="accent1"/>
-            </a:fillRef>
-            <a:effectRef idx="2">
-              <a:schemeClr val="accent1"/>
-            </a:effectRef>
-            <a:fontRef idx="minor">
-              <a:schemeClr val="lt1"/>
-            </a:fontRef>
-          </p:style>
-          <p:txBody>
-            <a:bodyPr rtlCol="0" anchor="ctr"/>
-            <a:lstStyle/>
-            <a:p>
-              <a:pPr algn="ctr"/>
-              <a:endParaRPr lang="en-US"/>
-            </a:p>
-          </p:txBody>
-        </p:sp>
-      </p:grpSp>
-      <p:sp>
-        <p:nvSpPr>
-          <p:cNvPr id="31" name="Rectangle 30"/>
-          <p:cNvSpPr>
-            <a:spLocks noGrp="1" noRot="1" noChangeAspect="1" noMove="1" noResize="1" noEditPoints="1" noAdjustHandles="1" noChangeArrowheads="1" noChangeShapeType="1" noTextEdit="1"/>
-          </p:cNvSpPr>
-          <p:nvPr>
-            <p:extLst>
-              <p:ext uri="{386F3935-93C4-4BCD-93E2-E3B085C9AB24}">
-                <p16:designElem xmlns="" xmlns:p16="http://schemas.microsoft.com/office/powerpoint/2015/main" val="1"/>
-              </p:ext>
-            </p:extLst>
-          </p:nvPr>
-        </p:nvSpPr>
-        <p:spPr>
-          <a:xfrm>
-            <a:off x="5942379" y="977099"/>
-            <a:ext cx="5130837" cy="4136205"/>
-          </a:xfrm>
-          <a:prstGeom prst="rect">
-            <a:avLst/>
-          </a:prstGeom>
-          <a:solidFill>
-            <a:srgbClr val="FFFFFE"/>
-          </a:solidFill>
-          <a:ln w="6350">
-            <a:solidFill>
-              <a:schemeClr val="bg2"/>
-            </a:solidFill>
-          </a:ln>
-        </p:spPr>
-        <p:style>
-          <a:lnRef idx="2">
-            <a:schemeClr val="accent1">
-              <a:shade val="50000"/>
-            </a:schemeClr>
-          </a:lnRef>
-          <a:fillRef idx="1">
-            <a:schemeClr val="accent1"/>
-          </a:fillRef>
-          <a:effectRef idx="0">
-            <a:schemeClr val="accent1"/>
-          </a:effectRef>
-          <a:fontRef idx="minor">
-            <a:schemeClr val="lt1"/>
-          </a:fontRef>
-        </p:style>
-        <p:txBody>
-          <a:bodyPr rtlCol="0" anchor="ctr"/>
-          <a:lstStyle/>
-          <a:p>
-            <a:pPr algn="ctr"/>
-            <a:endParaRPr lang="en-US"/>
-          </a:p>
-        </p:txBody>
-      </p:sp>
-      <p:cxnSp>
-        <p:nvCxnSpPr>
-          <p:cNvPr id="33" name="Straight Connector 32"/>
-          <p:cNvCxnSpPr>
-            <a:cxnSpLocks noGrp="1" noRot="1" noChangeAspect="1" noMove="1" noResize="1" noEditPoints="1" noAdjustHandles="1" noChangeArrowheads="1" noChangeShapeType="1"/>
-          </p:cNvCxnSpPr>
-          <p:nvPr>
-            <p:extLst>
-              <p:ext uri="{386F3935-93C4-4BCD-93E2-E3B085C9AB24}">
-                <p16:designElem xmlns="" xmlns:p16="http://schemas.microsoft.com/office/powerpoint/2015/main" val="1"/>
-              </p:ext>
-            </p:extLst>
-          </p:nvPr>
-        </p:nvCxnSpPr>
-        <p:spPr>
-          <a:xfrm>
-            <a:off x="1375829" y="798973"/>
-            <a:ext cx="0" cy="2544756"/>
-          </a:xfrm>
-          <a:prstGeom prst="line">
-            <a:avLst/>
-          </a:prstGeom>
-          <a:ln w="38100" cmpd="sng">
-            <a:solidFill>
-              <a:schemeClr val="accent1"/>
-            </a:solidFill>
-            <a:prstDash val="solid"/>
-            <a:tailEnd type="none"/>
-          </a:ln>
-        </p:spPr>
-        <p:style>
-          <a:lnRef idx="3">
-            <a:schemeClr val="accent1"/>
-          </a:lnRef>
-          <a:fillRef idx="0">
-            <a:schemeClr val="accent1"/>
-          </a:fillRef>
-          <a:effectRef idx="2">
-            <a:schemeClr val="accent1"/>
-          </a:effectRef>
-          <a:fontRef idx="minor">
-            <a:schemeClr val="tx1"/>
-          </a:fontRef>
-        </p:style>
-      </p:cxnSp>
-      <p:pic>
-        <p:nvPicPr>
-          <p:cNvPr id="4" name="Content Placeholder 3"/>
-          <p:cNvPicPr>
-            <a:picLocks noGrp="1" noChangeAspect="1"/>
-          </p:cNvPicPr>
+            <a:r>
+              <a:rPr lang="lt-LT" dirty="0"/>
+              <a:t>Kūrimo priemonės</a:t>
+            </a:r>
+          </a:p>
+        </p:txBody>
+      </p:sp>
+      <p:sp>
+        <p:nvSpPr>
+          <p:cNvPr id="3" name="Content Placeholder 2"/>
+          <p:cNvSpPr>
+            <a:spLocks noGrp="1"/>
+          </p:cNvSpPr>
           <p:nvPr>
             <p:ph idx="1"/>
           </p:nvPr>
-        </p:nvPicPr>
-        <p:blipFill>
-          <a:blip r:embed="rId3"/>
-          <a:stretch>
-            <a:fillRect/>
-          </a:stretch>
-        </p:blipFill>
-        <p:spPr>
-          <a:xfrm>
-            <a:off x="4448397" y="366064"/>
-            <a:ext cx="7494091" cy="5569787"/>
-          </a:xfrm>
-          <a:prstGeom prst="rect">
-            <a:avLst/>
-          </a:prstGeom>
-        </p:spPr>
-      </p:pic>
-      <p:sp>
-        <p:nvSpPr>
-          <p:cNvPr id="2" name="Title 1"/>
-          <p:cNvSpPr>
-            <a:spLocks noGrp="1"/>
-          </p:cNvSpPr>
-          <p:nvPr>
-            <p:ph type="title"/>
-          </p:nvPr>
-        </p:nvSpPr>
-        <p:spPr>
-          <a:xfrm>
-            <a:off x="1541822" y="962902"/>
-            <a:ext cx="3436434" cy="2380828"/>
-          </a:xfrm>
-        </p:spPr>
-        <p:txBody>
-          <a:bodyPr vert="horz" lIns="91440" tIns="45720" rIns="91440" bIns="0" rtlCol="0" anchor="b">
-            <a:normAutofit/>
-          </a:bodyPr>
-          <a:lstStyle/>
-          <a:p>
-            <a:r>
-              <a:rPr lang="en-US" sz="4800"/>
-              <a:t>Sekų diagrama</a:t>
-            </a:r>
+        </p:nvSpPr>
+        <p:spPr/>
+        <p:txBody>
+          <a:bodyPr/>
+          <a:lstStyle/>
+          <a:p>
+            <a:endParaRPr lang="lt-LT"/>
           </a:p>
         </p:txBody>
       </p:sp>
     </p:spTree>
     <p:extLst>
       <p:ext uri="{BB962C8B-B14F-4D97-AF65-F5344CB8AC3E}">
-        <p14:creationId xmlns:p14="http://schemas.microsoft.com/office/powerpoint/2010/main" val="3167586222"/>
+        <p14:creationId xmlns:p14="http://schemas.microsoft.com/office/powerpoint/2010/main" val="1919320893"/>
       </p:ext>
     </p:extLst>
   </p:cSld>

--- a/PĮ-antras-atsiskaitymas.pptx
+++ b/PĮ-antras-atsiskaitymas.pptx
@@ -9,13 +9,16 @@
     <p:sldId id="257" r:id="rId3"/>
     <p:sldId id="258" r:id="rId4"/>
     <p:sldId id="259" r:id="rId5"/>
-    <p:sldId id="260" r:id="rId6"/>
-    <p:sldId id="261" r:id="rId7"/>
-    <p:sldId id="262" r:id="rId8"/>
-    <p:sldId id="263" r:id="rId9"/>
-    <p:sldId id="264" r:id="rId10"/>
-    <p:sldId id="265" r:id="rId11"/>
-    <p:sldId id="266" r:id="rId12"/>
+    <p:sldId id="267" r:id="rId6"/>
+    <p:sldId id="268" r:id="rId7"/>
+    <p:sldId id="260" r:id="rId8"/>
+    <p:sldId id="261" r:id="rId9"/>
+    <p:sldId id="262" r:id="rId10"/>
+    <p:sldId id="263" r:id="rId11"/>
+    <p:sldId id="269" r:id="rId12"/>
+    <p:sldId id="264" r:id="rId13"/>
+    <p:sldId id="265" r:id="rId14"/>
+    <p:sldId id="266" r:id="rId15"/>
   </p:sldIdLst>
   <p:sldSz cx="12192000" cy="6858000"/>
   <p:notesSz cx="6858000" cy="9144000"/>
@@ -114,6 +117,11 @@
       </a:defRPr>
     </a:lvl9pPr>
   </p:defaultTextStyle>
+  <p:extLst>
+    <p:ext uri="{EFAFB233-063F-42B5-8137-9DF3F51BA10A}">
+      <p15:sldGuideLst xmlns="" xmlns:p15="http://schemas.microsoft.com/office/powerpoint/2012/main"/>
+    </p:ext>
+  </p:extLst>
 </p:presentation>
 </file>
 
@@ -256,7 +264,7 @@
           <a:p>
             <a:fld id="{DA27A17E-4D78-433F-BD48-C6590687CAFA}" type="datetimeFigureOut">
               <a:rPr lang="lt-LT" smtClean="0"/>
-              <a:t>2017.05.02</a:t>
+              <a:t>2017.05.17</a:t>
             </a:fld>
             <a:endParaRPr lang="lt-LT"/>
           </a:p>
@@ -473,7 +481,7 @@
           <a:p>
             <a:fld id="{DA27A17E-4D78-433F-BD48-C6590687CAFA}" type="datetimeFigureOut">
               <a:rPr lang="lt-LT" smtClean="0"/>
-              <a:t>2017.05.02</a:t>
+              <a:t>2017.05.17</a:t>
             </a:fld>
             <a:endParaRPr lang="lt-LT"/>
           </a:p>
@@ -694,7 +702,7 @@
           <a:p>
             <a:fld id="{DA27A17E-4D78-433F-BD48-C6590687CAFA}" type="datetimeFigureOut">
               <a:rPr lang="lt-LT" smtClean="0"/>
-              <a:t>2017.05.02</a:t>
+              <a:t>2017.05.17</a:t>
             </a:fld>
             <a:endParaRPr lang="lt-LT"/>
           </a:p>
@@ -901,7 +909,7 @@
           <a:p>
             <a:fld id="{DA27A17E-4D78-433F-BD48-C6590687CAFA}" type="datetimeFigureOut">
               <a:rPr lang="lt-LT" smtClean="0"/>
-              <a:t>2017.05.02</a:t>
+              <a:t>2017.05.17</a:t>
             </a:fld>
             <a:endParaRPr lang="lt-LT"/>
           </a:p>
@@ -1186,7 +1194,7 @@
           <a:p>
             <a:fld id="{DA27A17E-4D78-433F-BD48-C6590687CAFA}" type="datetimeFigureOut">
               <a:rPr lang="lt-LT" smtClean="0"/>
-              <a:t>2017.05.02</a:t>
+              <a:t>2017.05.17</a:t>
             </a:fld>
             <a:endParaRPr lang="lt-LT"/>
           </a:p>
@@ -1460,7 +1468,7 @@
           <a:p>
             <a:fld id="{DA27A17E-4D78-433F-BD48-C6590687CAFA}" type="datetimeFigureOut">
               <a:rPr lang="lt-LT" smtClean="0"/>
-              <a:t>2017.05.02</a:t>
+              <a:t>2017.05.17</a:t>
             </a:fld>
             <a:endParaRPr lang="lt-LT"/>
           </a:p>
@@ -1882,7 +1890,7 @@
           <a:p>
             <a:fld id="{DA27A17E-4D78-433F-BD48-C6590687CAFA}" type="datetimeFigureOut">
               <a:rPr lang="lt-LT" smtClean="0"/>
-              <a:t>2017.05.02</a:t>
+              <a:t>2017.05.17</a:t>
             </a:fld>
             <a:endParaRPr lang="lt-LT"/>
           </a:p>
@@ -2037,7 +2045,7 @@
           <a:p>
             <a:fld id="{DA27A17E-4D78-433F-BD48-C6590687CAFA}" type="datetimeFigureOut">
               <a:rPr lang="lt-LT" smtClean="0"/>
-              <a:t>2017.05.02</a:t>
+              <a:t>2017.05.17</a:t>
             </a:fld>
             <a:endParaRPr lang="lt-LT"/>
           </a:p>
@@ -2169,7 +2177,7 @@
           <a:p>
             <a:fld id="{DA27A17E-4D78-433F-BD48-C6590687CAFA}" type="datetimeFigureOut">
               <a:rPr lang="lt-LT" smtClean="0"/>
-              <a:t>2017.05.02</a:t>
+              <a:t>2017.05.17</a:t>
             </a:fld>
             <a:endParaRPr lang="lt-LT"/>
           </a:p>
@@ -2420,7 +2428,7 @@
           <a:p>
             <a:fld id="{DA27A17E-4D78-433F-BD48-C6590687CAFA}" type="datetimeFigureOut">
               <a:rPr lang="lt-LT" smtClean="0"/>
-              <a:t>2017.05.02</a:t>
+              <a:t>2017.05.17</a:t>
             </a:fld>
             <a:endParaRPr lang="lt-LT"/>
           </a:p>
@@ -2875,7 +2883,7 @@
           <a:p>
             <a:fld id="{DA27A17E-4D78-433F-BD48-C6590687CAFA}" type="datetimeFigureOut">
               <a:rPr lang="lt-LT" smtClean="0"/>
-              <a:t>2017.05.02</a:t>
+              <a:t>2017.05.17</a:t>
             </a:fld>
             <a:endParaRPr lang="lt-LT"/>
           </a:p>
@@ -3201,7 +3209,7 @@
           <a:p>
             <a:fld id="{DA27A17E-4D78-433F-BD48-C6590687CAFA}" type="datetimeFigureOut">
               <a:rPr lang="lt-LT" smtClean="0"/>
-              <a:t>2017.05.02</a:t>
+              <a:t>2017.05.17</a:t>
             </a:fld>
             <a:endParaRPr lang="lt-LT"/>
           </a:p>
@@ -3732,7 +3740,15 @@
             <a:pPr algn="ctr"/>
             <a:r>
               <a:rPr lang="lt-LT" dirty="0"/>
-              <a:t>Android programėlė ,,Flappy bird“</a:t>
+              <a:t>Android programėlė ,,Flappy </a:t>
+            </a:r>
+            <a:r>
+              <a:rPr lang="en-US" dirty="0"/>
+              <a:t>dragon</a:t>
+            </a:r>
+            <a:r>
+              <a:rPr lang="lt-LT" dirty="0"/>
+              <a:t>“</a:t>
             </a:r>
           </a:p>
         </p:txBody>
@@ -3769,6 +3785,720 @@
       </p:grpSpPr>
       <p:sp>
         <p:nvSpPr>
+          <p:cNvPr id="9" name="Rectangle 8"/>
+          <p:cNvSpPr>
+            <a:spLocks noGrp="1" noRot="1" noChangeAspect="1" noMove="1" noResize="1" noEditPoints="1" noAdjustHandles="1" noChangeArrowheads="1" noChangeShapeType="1" noTextEdit="1"/>
+          </p:cNvSpPr>
+          <p:nvPr>
+            <p:extLst>
+              <p:ext uri="{386F3935-93C4-4BCD-93E2-E3B085C9AB24}">
+                <p16:designElem xmlns="" xmlns:p16="http://schemas.microsoft.com/office/powerpoint/2015/main" val="1"/>
+              </p:ext>
+            </p:extLst>
+          </p:nvPr>
+        </p:nvSpPr>
+        <p:spPr bwMode="white">
+          <a:xfrm>
+            <a:off x="0" y="0"/>
+            <a:ext cx="12192000" cy="6858000"/>
+          </a:xfrm>
+          <a:prstGeom prst="rect">
+            <a:avLst/>
+          </a:prstGeom>
+          <a:gradFill rotWithShape="1">
+            <a:gsLst>
+              <a:gs pos="0">
+                <a:schemeClr val="bg2">
+                  <a:tint val="94000"/>
+                  <a:satMod val="80000"/>
+                  <a:lumMod val="106000"/>
+                </a:schemeClr>
+              </a:gs>
+              <a:gs pos="100000">
+                <a:schemeClr val="bg2">
+                  <a:shade val="80000"/>
+                </a:schemeClr>
+              </a:gs>
+            </a:gsLst>
+            <a:path path="circle">
+              <a:fillToRect l="43000" r="43000" b="100000"/>
+            </a:path>
+          </a:gradFill>
+          <a:ln>
+            <a:noFill/>
+          </a:ln>
+          <a:effectLst/>
+        </p:spPr>
+      </p:sp>
+      <p:sp>
+        <p:nvSpPr>
+          <p:cNvPr id="11" name="Rectangle 10"/>
+          <p:cNvSpPr>
+            <a:spLocks noGrp="1" noRot="1" noChangeAspect="1" noMove="1" noResize="1" noEditPoints="1" noAdjustHandles="1" noChangeArrowheads="1" noChangeShapeType="1" noTextEdit="1"/>
+          </p:cNvSpPr>
+          <p:nvPr>
+            <p:extLst>
+              <p:ext uri="{386F3935-93C4-4BCD-93E2-E3B085C9AB24}">
+                <p16:designElem xmlns="" xmlns:p16="http://schemas.microsoft.com/office/powerpoint/2015/main" val="1"/>
+              </p:ext>
+            </p:extLst>
+          </p:nvPr>
+        </p:nvSpPr>
+        <p:spPr>
+          <a:xfrm>
+            <a:off x="0" y="2015732"/>
+            <a:ext cx="12192000" cy="4118829"/>
+          </a:xfrm>
+          <a:prstGeom prst="rect">
+            <a:avLst/>
+          </a:prstGeom>
+          <a:gradFill flip="none" rotWithShape="1">
+            <a:gsLst>
+              <a:gs pos="0">
+                <a:schemeClr val="bg2">
+                  <a:alpha val="0"/>
+                </a:schemeClr>
+              </a:gs>
+              <a:gs pos="100000">
+                <a:schemeClr val="bg2"/>
+              </a:gs>
+            </a:gsLst>
+            <a:lin ang="5400000" scaled="0"/>
+            <a:tileRect/>
+          </a:gradFill>
+          <a:ln>
+            <a:noFill/>
+          </a:ln>
+        </p:spPr>
+        <p:style>
+          <a:lnRef idx="2">
+            <a:schemeClr val="accent1">
+              <a:shade val="50000"/>
+            </a:schemeClr>
+          </a:lnRef>
+          <a:fillRef idx="1">
+            <a:schemeClr val="accent1"/>
+          </a:fillRef>
+          <a:effectRef idx="0">
+            <a:schemeClr val="accent1"/>
+          </a:effectRef>
+          <a:fontRef idx="minor">
+            <a:schemeClr val="lt1"/>
+          </a:fontRef>
+        </p:style>
+      </p:sp>
+      <p:pic>
+        <p:nvPicPr>
+          <p:cNvPr id="13" name="Picture 12"/>
+          <p:cNvPicPr>
+            <a:picLocks noGrp="1" noRot="1" noChangeAspect="1" noMove="1" noResize="1" noEditPoints="1" noAdjustHandles="1" noChangeArrowheads="1" noChangeShapeType="1" noCrop="1"/>
+          </p:cNvPicPr>
+          <p:nvPr>
+            <p:extLst>
+              <p:ext uri="{386F3935-93C4-4BCD-93E2-E3B085C9AB24}">
+                <p16:designElem xmlns="" xmlns:p16="http://schemas.microsoft.com/office/powerpoint/2015/main" val="1"/>
+              </p:ext>
+            </p:extLst>
+          </p:nvPr>
+        </p:nvPicPr>
+        <p:blipFill rotWithShape="1">
+          <a:blip r:embed="rId2"/>
+          <a:srcRect t="2769" b="-2769"/>
+          <a:stretch/>
+        </p:blipFill>
+        <p:spPr>
+          <a:xfrm>
+            <a:off x="0" y="6135624"/>
+            <a:ext cx="12192000" cy="742950"/>
+          </a:xfrm>
+          <a:prstGeom prst="rect">
+            <a:avLst/>
+          </a:prstGeom>
+        </p:spPr>
+      </p:pic>
+      <p:cxnSp>
+        <p:nvCxnSpPr>
+          <p:cNvPr id="15" name="Straight Connector 14"/>
+          <p:cNvCxnSpPr>
+            <a:cxnSpLocks noGrp="1" noRot="1" noChangeAspect="1" noMove="1" noResize="1" noEditPoints="1" noAdjustHandles="1" noChangeArrowheads="1" noChangeShapeType="1"/>
+          </p:cNvCxnSpPr>
+          <p:nvPr>
+            <p:extLst>
+              <p:ext uri="{386F3935-93C4-4BCD-93E2-E3B085C9AB24}">
+                <p16:designElem xmlns="" xmlns:p16="http://schemas.microsoft.com/office/powerpoint/2015/main" val="1"/>
+              </p:ext>
+            </p:extLst>
+          </p:nvPr>
+        </p:nvCxnSpPr>
+        <p:spPr>
+          <a:xfrm>
+            <a:off x="0" y="6141705"/>
+            <a:ext cx="12192000" cy="0"/>
+          </a:xfrm>
+          <a:prstGeom prst="line">
+            <a:avLst/>
+          </a:prstGeom>
+          <a:ln w="12700">
+            <a:solidFill>
+              <a:srgbClr val="000001">
+                <a:alpha val="20000"/>
+              </a:srgbClr>
+            </a:solidFill>
+          </a:ln>
+        </p:spPr>
+        <p:style>
+          <a:lnRef idx="1">
+            <a:schemeClr val="accent1"/>
+          </a:lnRef>
+          <a:fillRef idx="0">
+            <a:schemeClr val="accent1"/>
+          </a:fillRef>
+          <a:effectRef idx="0">
+            <a:schemeClr val="accent1"/>
+          </a:effectRef>
+          <a:fontRef idx="minor">
+            <a:schemeClr val="tx1"/>
+          </a:fontRef>
+        </p:style>
+      </p:cxnSp>
+      <p:cxnSp>
+        <p:nvCxnSpPr>
+          <p:cNvPr id="17" name="Straight Connector 16"/>
+          <p:cNvCxnSpPr>
+            <a:cxnSpLocks noGrp="1" noRot="1" noChangeAspect="1" noMove="1" noResize="1" noEditPoints="1" noAdjustHandles="1" noChangeArrowheads="1" noChangeShapeType="1"/>
+          </p:cNvCxnSpPr>
+          <p:nvPr>
+            <p:extLst>
+              <p:ext uri="{386F3935-93C4-4BCD-93E2-E3B085C9AB24}">
+                <p16:designElem xmlns="" xmlns:p16="http://schemas.microsoft.com/office/powerpoint/2015/main" val="1"/>
+              </p:ext>
+            </p:extLst>
+          </p:nvPr>
+        </p:nvCxnSpPr>
+        <p:spPr>
+          <a:xfrm>
+            <a:off x="2334637" y="798973"/>
+            <a:ext cx="0" cy="2544756"/>
+          </a:xfrm>
+          <a:prstGeom prst="line">
+            <a:avLst/>
+          </a:prstGeom>
+          <a:ln w="38100" cmpd="sng">
+            <a:solidFill>
+              <a:schemeClr val="accent1"/>
+            </a:solidFill>
+            <a:prstDash val="solid"/>
+            <a:tailEnd type="none"/>
+          </a:ln>
+        </p:spPr>
+        <p:style>
+          <a:lnRef idx="3">
+            <a:schemeClr val="accent1"/>
+          </a:lnRef>
+          <a:fillRef idx="0">
+            <a:schemeClr val="accent1"/>
+          </a:fillRef>
+          <a:effectRef idx="2">
+            <a:schemeClr val="accent1"/>
+          </a:effectRef>
+          <a:fontRef idx="minor">
+            <a:schemeClr val="tx1"/>
+          </a:fontRef>
+        </p:style>
+      </p:cxnSp>
+      <p:sp useBgFill="1">
+        <p:nvSpPr>
+          <p:cNvPr id="19" name="Rectangle 18"/>
+          <p:cNvSpPr>
+            <a:spLocks noGrp="1" noRot="1" noChangeAspect="1" noMove="1" noResize="1" noEditPoints="1" noAdjustHandles="1" noChangeArrowheads="1" noChangeShapeType="1" noTextEdit="1"/>
+          </p:cNvSpPr>
+          <p:nvPr>
+            <p:extLst>
+              <p:ext uri="{386F3935-93C4-4BCD-93E2-E3B085C9AB24}">
+                <p16:designElem xmlns="" xmlns:p16="http://schemas.microsoft.com/office/powerpoint/2015/main" val="1"/>
+              </p:ext>
+            </p:extLst>
+          </p:nvPr>
+        </p:nvSpPr>
+        <p:spPr>
+          <a:xfrm>
+            <a:off x="2" y="0"/>
+            <a:ext cx="12191695" cy="6858000"/>
+          </a:xfrm>
+          <a:prstGeom prst="rect">
+            <a:avLst/>
+          </a:prstGeom>
+          <a:ln>
+            <a:noFill/>
+          </a:ln>
+        </p:spPr>
+        <p:style>
+          <a:lnRef idx="2">
+            <a:schemeClr val="accent1">
+              <a:shade val="50000"/>
+            </a:schemeClr>
+          </a:lnRef>
+          <a:fillRef idx="1">
+            <a:schemeClr val="accent1"/>
+          </a:fillRef>
+          <a:effectRef idx="0">
+            <a:schemeClr val="accent1"/>
+          </a:effectRef>
+          <a:fontRef idx="minor">
+            <a:schemeClr val="lt1"/>
+          </a:fontRef>
+        </p:style>
+        <p:txBody>
+          <a:bodyPr rtlCol="0" anchor="ctr"/>
+          <a:lstStyle/>
+          <a:p>
+            <a:pPr algn="ctr"/>
+            <a:endParaRPr lang="en-US"/>
+          </a:p>
+        </p:txBody>
+      </p:sp>
+      <p:sp>
+        <p:nvSpPr>
+          <p:cNvPr id="21" name="Rectangle 20"/>
+          <p:cNvSpPr>
+            <a:spLocks noGrp="1" noRot="1" noChangeAspect="1" noMove="1" noResize="1" noEditPoints="1" noAdjustHandles="1" noChangeArrowheads="1" noChangeShapeType="1" noTextEdit="1"/>
+          </p:cNvSpPr>
+          <p:nvPr>
+            <p:extLst>
+              <p:ext uri="{386F3935-93C4-4BCD-93E2-E3B085C9AB24}">
+                <p16:designElem xmlns="" xmlns:p16="http://schemas.microsoft.com/office/powerpoint/2015/main" val="1"/>
+              </p:ext>
+            </p:extLst>
+          </p:nvPr>
+        </p:nvSpPr>
+        <p:spPr>
+          <a:xfrm>
+            <a:off x="0" y="2015732"/>
+            <a:ext cx="12192000" cy="4118829"/>
+          </a:xfrm>
+          <a:prstGeom prst="rect">
+            <a:avLst/>
+          </a:prstGeom>
+          <a:gradFill flip="none" rotWithShape="1">
+            <a:gsLst>
+              <a:gs pos="0">
+                <a:schemeClr val="bg2">
+                  <a:alpha val="0"/>
+                </a:schemeClr>
+              </a:gs>
+              <a:gs pos="100000">
+                <a:schemeClr val="bg2"/>
+              </a:gs>
+            </a:gsLst>
+            <a:lin ang="5400000" scaled="0"/>
+            <a:tileRect/>
+          </a:gradFill>
+          <a:ln>
+            <a:noFill/>
+          </a:ln>
+        </p:spPr>
+        <p:style>
+          <a:lnRef idx="2">
+            <a:schemeClr val="accent1">
+              <a:shade val="50000"/>
+            </a:schemeClr>
+          </a:lnRef>
+          <a:fillRef idx="1">
+            <a:schemeClr val="accent1"/>
+          </a:fillRef>
+          <a:effectRef idx="0">
+            <a:schemeClr val="accent1"/>
+          </a:effectRef>
+          <a:fontRef idx="minor">
+            <a:schemeClr val="lt1"/>
+          </a:fontRef>
+        </p:style>
+        <p:txBody>
+          <a:bodyPr rtlCol="0" anchor="ctr"/>
+          <a:lstStyle/>
+          <a:p>
+            <a:pPr lvl="0" algn="ctr"/>
+            <a:endParaRPr lang="en-US"/>
+          </a:p>
+        </p:txBody>
+      </p:sp>
+      <p:pic>
+        <p:nvPicPr>
+          <p:cNvPr id="23" name="Picture 22"/>
+          <p:cNvPicPr>
+            <a:picLocks noGrp="1" noRot="1" noChangeAspect="1" noMove="1" noResize="1" noEditPoints="1" noAdjustHandles="1" noChangeArrowheads="1" noChangeShapeType="1" noCrop="1"/>
+          </p:cNvPicPr>
+          <p:nvPr>
+            <p:extLst>
+              <p:ext uri="{386F3935-93C4-4BCD-93E2-E3B085C9AB24}">
+                <p16:designElem xmlns="" xmlns:p16="http://schemas.microsoft.com/office/powerpoint/2015/main" val="1"/>
+              </p:ext>
+            </p:extLst>
+          </p:nvPr>
+        </p:nvPicPr>
+        <p:blipFill rotWithShape="1">
+          <a:blip r:embed="rId2"/>
+          <a:srcRect t="2769" b="-2769"/>
+          <a:stretch/>
+        </p:blipFill>
+        <p:spPr>
+          <a:xfrm>
+            <a:off x="0" y="6135624"/>
+            <a:ext cx="12192000" cy="742950"/>
+          </a:xfrm>
+          <a:prstGeom prst="rect">
+            <a:avLst/>
+          </a:prstGeom>
+        </p:spPr>
+      </p:pic>
+      <p:cxnSp>
+        <p:nvCxnSpPr>
+          <p:cNvPr id="25" name="Straight Connector 24"/>
+          <p:cNvCxnSpPr>
+            <a:cxnSpLocks noGrp="1" noRot="1" noChangeAspect="1" noMove="1" noResize="1" noEditPoints="1" noAdjustHandles="1" noChangeArrowheads="1" noChangeShapeType="1"/>
+          </p:cNvCxnSpPr>
+          <p:nvPr>
+            <p:extLst>
+              <p:ext uri="{386F3935-93C4-4BCD-93E2-E3B085C9AB24}">
+                <p16:designElem xmlns="" xmlns:p16="http://schemas.microsoft.com/office/powerpoint/2015/main" val="1"/>
+              </p:ext>
+            </p:extLst>
+          </p:nvPr>
+        </p:nvCxnSpPr>
+        <p:spPr>
+          <a:xfrm>
+            <a:off x="0" y="6141705"/>
+            <a:ext cx="12192000" cy="0"/>
+          </a:xfrm>
+          <a:prstGeom prst="line">
+            <a:avLst/>
+          </a:prstGeom>
+          <a:ln w="12700">
+            <a:solidFill>
+              <a:srgbClr val="000001">
+                <a:alpha val="20000"/>
+              </a:srgbClr>
+            </a:solidFill>
+          </a:ln>
+        </p:spPr>
+        <p:style>
+          <a:lnRef idx="1">
+            <a:schemeClr val="accent1"/>
+          </a:lnRef>
+          <a:fillRef idx="0">
+            <a:schemeClr val="accent1"/>
+          </a:fillRef>
+          <a:effectRef idx="0">
+            <a:schemeClr val="accent1"/>
+          </a:effectRef>
+          <a:fontRef idx="minor">
+            <a:schemeClr val="tx1"/>
+          </a:fontRef>
+        </p:style>
+      </p:cxnSp>
+      <p:grpSp>
+        <p:nvGrpSpPr>
+          <p:cNvPr id="27" name="Group 26"/>
+          <p:cNvGrpSpPr>
+            <a:grpSpLocks noGrp="1" noUngrp="1" noRot="1" noChangeAspect="1" noMove="1" noResize="1"/>
+          </p:cNvGrpSpPr>
+          <p:nvPr>
+            <p:extLst>
+              <p:ext uri="{386F3935-93C4-4BCD-93E2-E3B085C9AB24}">
+                <p16:designElem xmlns="" xmlns:p16="http://schemas.microsoft.com/office/powerpoint/2015/main" val="1"/>
+              </p:ext>
+            </p:extLst>
+          </p:nvPr>
+        </p:nvGrpSpPr>
+        <p:grpSpPr>
+          <a:xfrm>
+            <a:off x="3979389" y="482171"/>
+            <a:ext cx="7560115" cy="5149101"/>
+            <a:chOff x="3979389" y="482171"/>
+            <a:chExt cx="7560115" cy="5149101"/>
+          </a:xfrm>
+        </p:grpSpPr>
+        <p:sp>
+          <p:nvSpPr>
+            <p:cNvPr id="28" name="Rectangle 27"/>
+            <p:cNvSpPr/>
+            <p:nvPr>
+              <p:extLst>
+                <p:ext uri="{386F3935-93C4-4BCD-93E2-E3B085C9AB24}">
+                  <p16:designElem xmlns="" xmlns:p16="http://schemas.microsoft.com/office/powerpoint/2015/main" val="1"/>
+                </p:ext>
+              </p:extLst>
+            </p:nvPr>
+          </p:nvSpPr>
+          <p:spPr>
+            <a:xfrm>
+              <a:off x="3979389" y="482171"/>
+              <a:ext cx="7560115" cy="5149101"/>
+            </a:xfrm>
+            <a:prstGeom prst="rect">
+              <a:avLst/>
+            </a:prstGeom>
+            <a:gradFill>
+              <a:gsLst>
+                <a:gs pos="0">
+                  <a:schemeClr val="bg2">
+                    <a:lumMod val="10000"/>
+                  </a:schemeClr>
+                </a:gs>
+                <a:gs pos="100000">
+                  <a:schemeClr val="bg2">
+                    <a:lumMod val="10000"/>
+                  </a:schemeClr>
+                </a:gs>
+              </a:gsLst>
+            </a:gradFill>
+            <a:ln w="76200" cmpd="sng">
+              <a:noFill/>
+              <a:miter lim="800000"/>
+            </a:ln>
+            <a:effectLst>
+              <a:outerShdw blurRad="127000" dist="228600" dir="4740000" sx="98000" sy="98000" algn="tl" rotWithShape="0">
+                <a:srgbClr val="000000">
+                  <a:alpha val="34000"/>
+                </a:srgbClr>
+              </a:outerShdw>
+            </a:effectLst>
+            <a:scene3d>
+              <a:camera prst="orthographicFront"/>
+              <a:lightRig rig="threePt" dir="t"/>
+            </a:scene3d>
+            <a:sp3d prstMaterial="matte">
+              <a:bevelT w="133350" h="50800" prst="divot"/>
+            </a:sp3d>
+          </p:spPr>
+          <p:style>
+            <a:lnRef idx="1">
+              <a:schemeClr val="accent1"/>
+            </a:lnRef>
+            <a:fillRef idx="3">
+              <a:schemeClr val="accent1"/>
+            </a:fillRef>
+            <a:effectRef idx="2">
+              <a:schemeClr val="accent1"/>
+            </a:effectRef>
+            <a:fontRef idx="minor">
+              <a:schemeClr val="lt1"/>
+            </a:fontRef>
+          </p:style>
+          <p:txBody>
+            <a:bodyPr rtlCol="0" anchor="ctr"/>
+            <a:lstStyle/>
+            <a:p>
+              <a:pPr algn="ctr"/>
+              <a:endParaRPr lang="en-US"/>
+            </a:p>
+          </p:txBody>
+        </p:sp>
+        <p:sp>
+          <p:nvSpPr>
+            <p:cNvPr id="29" name="Rectangle 28"/>
+            <p:cNvSpPr/>
+            <p:nvPr>
+              <p:extLst>
+                <p:ext uri="{386F3935-93C4-4BCD-93E2-E3B085C9AB24}">
+                  <p16:designElem xmlns="" xmlns:p16="http://schemas.microsoft.com/office/powerpoint/2015/main" val="1"/>
+                </p:ext>
+              </p:extLst>
+            </p:nvPr>
+          </p:nvSpPr>
+          <p:spPr>
+            <a:xfrm>
+              <a:off x="4292448" y="812507"/>
+              <a:ext cx="6928279" cy="4466452"/>
+            </a:xfrm>
+            <a:prstGeom prst="rect">
+              <a:avLst/>
+            </a:prstGeom>
+            <a:gradFill>
+              <a:gsLst>
+                <a:gs pos="0">
+                  <a:srgbClr val="DADADA"/>
+                </a:gs>
+                <a:gs pos="100000">
+                  <a:srgbClr val="FFFFFE"/>
+                </a:gs>
+              </a:gsLst>
+              <a:lin ang="16200000" scaled="0"/>
+            </a:gradFill>
+            <a:ln w="50800" cmpd="sng">
+              <a:solidFill>
+                <a:srgbClr val="191919"/>
+              </a:solidFill>
+              <a:miter lim="800000"/>
+            </a:ln>
+            <a:effectLst>
+              <a:innerShdw blurRad="63500" dist="88900" dir="14100000">
+                <a:srgbClr val="000000">
+                  <a:alpha val="30000"/>
+                </a:srgbClr>
+              </a:innerShdw>
+            </a:effectLst>
+            <a:scene3d>
+              <a:camera prst="orthographicFront"/>
+              <a:lightRig rig="threePt" dir="t"/>
+            </a:scene3d>
+            <a:sp3d>
+              <a:bevelT prst="relaxedInset"/>
+            </a:sp3d>
+          </p:spPr>
+          <p:style>
+            <a:lnRef idx="1">
+              <a:schemeClr val="accent1"/>
+            </a:lnRef>
+            <a:fillRef idx="3">
+              <a:schemeClr val="accent1"/>
+            </a:fillRef>
+            <a:effectRef idx="2">
+              <a:schemeClr val="accent1"/>
+            </a:effectRef>
+            <a:fontRef idx="minor">
+              <a:schemeClr val="lt1"/>
+            </a:fontRef>
+          </p:style>
+          <p:txBody>
+            <a:bodyPr rtlCol="0" anchor="ctr"/>
+            <a:lstStyle/>
+            <a:p>
+              <a:pPr algn="ctr"/>
+              <a:endParaRPr lang="en-US"/>
+            </a:p>
+          </p:txBody>
+        </p:sp>
+      </p:grpSp>
+      <p:sp>
+        <p:nvSpPr>
+          <p:cNvPr id="31" name="Rectangle 30"/>
+          <p:cNvSpPr>
+            <a:spLocks noGrp="1" noRot="1" noChangeAspect="1" noMove="1" noResize="1" noEditPoints="1" noAdjustHandles="1" noChangeArrowheads="1" noChangeShapeType="1" noTextEdit="1"/>
+          </p:cNvSpPr>
+          <p:nvPr>
+            <p:extLst>
+              <p:ext uri="{386F3935-93C4-4BCD-93E2-E3B085C9AB24}">
+                <p16:designElem xmlns="" xmlns:p16="http://schemas.microsoft.com/office/powerpoint/2015/main" val="1"/>
+              </p:ext>
+            </p:extLst>
+          </p:nvPr>
+        </p:nvSpPr>
+        <p:spPr>
+          <a:xfrm>
+            <a:off x="4455871" y="977099"/>
+            <a:ext cx="6621291" cy="4136205"/>
+          </a:xfrm>
+          <a:prstGeom prst="rect">
+            <a:avLst/>
+          </a:prstGeom>
+          <a:solidFill>
+            <a:srgbClr val="FFFFFE"/>
+          </a:solidFill>
+          <a:ln w="6350">
+            <a:solidFill>
+              <a:schemeClr val="bg2"/>
+            </a:solidFill>
+          </a:ln>
+        </p:spPr>
+        <p:style>
+          <a:lnRef idx="2">
+            <a:schemeClr val="accent1">
+              <a:shade val="50000"/>
+            </a:schemeClr>
+          </a:lnRef>
+          <a:fillRef idx="1">
+            <a:schemeClr val="accent1"/>
+          </a:fillRef>
+          <a:effectRef idx="0">
+            <a:schemeClr val="accent1"/>
+          </a:effectRef>
+          <a:fontRef idx="minor">
+            <a:schemeClr val="lt1"/>
+          </a:fontRef>
+        </p:style>
+        <p:txBody>
+          <a:bodyPr rtlCol="0" anchor="ctr"/>
+          <a:lstStyle/>
+          <a:p>
+            <a:pPr algn="ctr"/>
+            <a:endParaRPr lang="en-US"/>
+          </a:p>
+        </p:txBody>
+      </p:sp>
+      <p:cxnSp>
+        <p:nvCxnSpPr>
+          <p:cNvPr id="33" name="Straight Connector 32"/>
+          <p:cNvCxnSpPr>
+            <a:cxnSpLocks noGrp="1" noRot="1" noChangeAspect="1" noMove="1" noResize="1" noEditPoints="1" noAdjustHandles="1" noChangeArrowheads="1" noChangeShapeType="1"/>
+          </p:cNvCxnSpPr>
+          <p:nvPr>
+            <p:extLst>
+              <p:ext uri="{386F3935-93C4-4BCD-93E2-E3B085C9AB24}">
+                <p16:designElem xmlns="" xmlns:p16="http://schemas.microsoft.com/office/powerpoint/2015/main" val="1"/>
+              </p:ext>
+            </p:extLst>
+          </p:nvPr>
+        </p:nvCxnSpPr>
+        <p:spPr>
+          <a:xfrm>
+            <a:off x="490988" y="807259"/>
+            <a:ext cx="0" cy="2544756"/>
+          </a:xfrm>
+          <a:prstGeom prst="line">
+            <a:avLst/>
+          </a:prstGeom>
+          <a:ln w="38100" cmpd="sng">
+            <a:solidFill>
+              <a:schemeClr val="accent1"/>
+            </a:solidFill>
+            <a:prstDash val="solid"/>
+            <a:tailEnd type="none"/>
+          </a:ln>
+        </p:spPr>
+        <p:style>
+          <a:lnRef idx="3">
+            <a:schemeClr val="accent1"/>
+          </a:lnRef>
+          <a:fillRef idx="0">
+            <a:schemeClr val="accent1"/>
+          </a:fillRef>
+          <a:effectRef idx="2">
+            <a:schemeClr val="accent1"/>
+          </a:effectRef>
+          <a:fontRef idx="minor">
+            <a:schemeClr val="tx1"/>
+          </a:fontRef>
+        </p:style>
+      </p:cxnSp>
+      <p:pic>
+        <p:nvPicPr>
+          <p:cNvPr id="4" name="Content Placeholder 3"/>
+          <p:cNvPicPr>
+            <a:picLocks noGrp="1" noChangeAspect="1"/>
+          </p:cNvPicPr>
+          <p:nvPr>
+            <p:ph idx="1"/>
+          </p:nvPr>
+        </p:nvPicPr>
+        <p:blipFill>
+          <a:blip r:embed="rId3"/>
+          <a:stretch>
+            <a:fillRect/>
+          </a:stretch>
+        </p:blipFill>
+        <p:spPr>
+          <a:xfrm>
+            <a:off x="3835824" y="106862"/>
+            <a:ext cx="7834400" cy="5895386"/>
+          </a:xfrm>
+          <a:prstGeom prst="rect">
+            <a:avLst/>
+          </a:prstGeom>
+        </p:spPr>
+      </p:pic>
+      <p:sp>
+        <p:nvSpPr>
           <p:cNvPr id="2" name="Title 1"/>
           <p:cNvSpPr>
             <a:spLocks noGrp="1"/>
@@ -3777,42 +4507,29 @@
             <p:ph type="title"/>
           </p:nvPr>
         </p:nvSpPr>
-        <p:spPr/>
-        <p:txBody>
-          <a:bodyPr/>
-          <a:lstStyle/>
-          <a:p>
-            <a:pPr algn="ctr"/>
-            <a:r>
-              <a:rPr lang="lt-LT" dirty="0"/>
-              <a:t>Išvados</a:t>
-            </a:r>
-          </a:p>
-        </p:txBody>
-      </p:sp>
-      <p:sp>
-        <p:nvSpPr>
-          <p:cNvPr id="3" name="Content Placeholder 2"/>
-          <p:cNvSpPr>
-            <a:spLocks noGrp="1"/>
-          </p:cNvSpPr>
-          <p:nvPr>
-            <p:ph idx="1"/>
-          </p:nvPr>
-        </p:nvSpPr>
-        <p:spPr/>
-        <p:txBody>
-          <a:bodyPr/>
-          <a:lstStyle/>
-          <a:p>
-            <a:endParaRPr lang="lt-LT"/>
+        <p:spPr>
+          <a:xfrm>
+            <a:off x="659301" y="1474969"/>
+            <a:ext cx="2823919" cy="1868760"/>
+          </a:xfrm>
+        </p:spPr>
+        <p:txBody>
+          <a:bodyPr vert="horz" lIns="91440" tIns="45720" rIns="91440" bIns="0" rtlCol="0" anchor="b">
+            <a:normAutofit/>
+          </a:bodyPr>
+          <a:lstStyle/>
+          <a:p>
+            <a:r>
+              <a:rPr lang="en-US" sz="3600"/>
+              <a:t>Panaudos atvejų diagrama</a:t>
+            </a:r>
           </a:p>
         </p:txBody>
       </p:sp>
     </p:spTree>
     <p:extLst>
       <p:ext uri="{BB962C8B-B14F-4D97-AF65-F5344CB8AC3E}">
-        <p14:creationId xmlns:p14="http://schemas.microsoft.com/office/powerpoint/2010/main" val="2593600179"/>
+        <p14:creationId xmlns:p14="http://schemas.microsoft.com/office/powerpoint/2010/main" val="1912698482"/>
       </p:ext>
     </p:extLst>
   </p:cSld>
@@ -3849,6 +4566,301 @@
             <p:ph type="title"/>
           </p:nvPr>
         </p:nvSpPr>
+        <p:spPr>
+          <a:xfrm>
+            <a:off x="1533813" y="831531"/>
+            <a:ext cx="3325266" cy="1049235"/>
+          </a:xfrm>
+        </p:spPr>
+        <p:txBody>
+          <a:bodyPr/>
+          <a:lstStyle/>
+          <a:p>
+            <a:r>
+              <a:rPr lang="lt-LT" dirty="0" smtClean="0"/>
+              <a:t>Veiklų</a:t>
+            </a:r>
+            <a:br>
+              <a:rPr lang="lt-LT" dirty="0" smtClean="0"/>
+            </a:br>
+            <a:r>
+              <a:rPr lang="lt-LT" dirty="0" smtClean="0"/>
+              <a:t>diagrama</a:t>
+            </a:r>
+            <a:endParaRPr lang="lt-LT" dirty="0"/>
+          </a:p>
+        </p:txBody>
+      </p:sp>
+      <p:sp>
+        <p:nvSpPr>
+          <p:cNvPr id="3" name="Content Placeholder 2"/>
+          <p:cNvSpPr>
+            <a:spLocks noGrp="1"/>
+          </p:cNvSpPr>
+          <p:nvPr>
+            <p:ph idx="1"/>
+          </p:nvPr>
+        </p:nvSpPr>
+        <p:spPr/>
+        <p:txBody>
+          <a:bodyPr/>
+          <a:lstStyle/>
+          <a:p>
+            <a:endParaRPr lang="lt-LT" dirty="0"/>
+          </a:p>
+        </p:txBody>
+      </p:sp>
+      <p:pic>
+        <p:nvPicPr>
+          <p:cNvPr id="1026" name="Picture 2" descr="E:\Atsisiuntimai\Untitled Diagram.jpg"/>
+          <p:cNvPicPr>
+            <a:picLocks noChangeAspect="1" noChangeArrowheads="1"/>
+          </p:cNvPicPr>
+          <p:nvPr/>
+        </p:nvPicPr>
+        <p:blipFill>
+          <a:blip r:embed="rId2">
+            <a:extLst>
+              <a:ext uri="{28A0092B-C50C-407E-A947-70E740481C1C}">
+                <a14:useLocalDpi xmlns:a14="http://schemas.microsoft.com/office/drawing/2010/main" val="0"/>
+              </a:ext>
+            </a:extLst>
+          </a:blip>
+          <a:srcRect/>
+          <a:stretch>
+            <a:fillRect/>
+          </a:stretch>
+        </p:blipFill>
+        <p:spPr bwMode="auto">
+          <a:xfrm>
+            <a:off x="3668233" y="287999"/>
+            <a:ext cx="8044616" cy="5567225"/>
+          </a:xfrm>
+          <a:prstGeom prst="rect">
+            <a:avLst/>
+          </a:prstGeom>
+          <a:noFill/>
+          <a:extLst>
+            <a:ext uri="{909E8E84-426E-40DD-AFC4-6F175D3DCCD1}">
+              <a14:hiddenFill xmlns:a14="http://schemas.microsoft.com/office/drawing/2010/main">
+                <a:solidFill>
+                  <a:srgbClr val="FFFFFF"/>
+                </a:solidFill>
+              </a14:hiddenFill>
+            </a:ext>
+          </a:extLst>
+        </p:spPr>
+      </p:pic>
+    </p:spTree>
+    <p:extLst>
+      <p:ext uri="{BB962C8B-B14F-4D97-AF65-F5344CB8AC3E}">
+        <p14:creationId xmlns:p14="http://schemas.microsoft.com/office/powerpoint/2010/main" val="2136975717"/>
+      </p:ext>
+    </p:extLst>
+  </p:cSld>
+  <p:clrMapOvr>
+    <a:masterClrMapping/>
+  </p:clrMapOvr>
+</p:sld>
+</file>
+
+<file path=ppt/slides/slide12.xml><?xml version="1.0" encoding="utf-8"?>
+<p:sld xmlns:a="http://schemas.openxmlformats.org/drawingml/2006/main" xmlns:r="http://schemas.openxmlformats.org/officeDocument/2006/relationships" xmlns:p="http://schemas.openxmlformats.org/presentationml/2006/main">
+  <p:cSld>
+    <p:spTree>
+      <p:nvGrpSpPr>
+        <p:cNvPr id="1" name=""/>
+        <p:cNvGrpSpPr/>
+        <p:nvPr/>
+      </p:nvGrpSpPr>
+      <p:grpSpPr>
+        <a:xfrm>
+          <a:off x="0" y="0"/>
+          <a:ext cx="0" cy="0"/>
+          <a:chOff x="0" y="0"/>
+          <a:chExt cx="0" cy="0"/>
+        </a:xfrm>
+      </p:grpSpPr>
+      <p:sp>
+        <p:nvSpPr>
+          <p:cNvPr id="2" name="Title 1"/>
+          <p:cNvSpPr>
+            <a:spLocks noGrp="1"/>
+          </p:cNvSpPr>
+          <p:nvPr>
+            <p:ph type="title"/>
+          </p:nvPr>
+        </p:nvSpPr>
+        <p:spPr/>
+        <p:txBody>
+          <a:bodyPr/>
+          <a:lstStyle/>
+          <a:p>
+            <a:pPr algn="ctr"/>
+            <a:r>
+              <a:rPr lang="lt-LT" dirty="0"/>
+              <a:t>Kūrimo priemonės</a:t>
+            </a:r>
+          </a:p>
+        </p:txBody>
+      </p:sp>
+      <p:sp>
+        <p:nvSpPr>
+          <p:cNvPr id="3" name="Content Placeholder 2"/>
+          <p:cNvSpPr>
+            <a:spLocks noGrp="1"/>
+          </p:cNvSpPr>
+          <p:nvPr>
+            <p:ph idx="1"/>
+          </p:nvPr>
+        </p:nvSpPr>
+        <p:spPr/>
+        <p:txBody>
+          <a:bodyPr/>
+          <a:lstStyle/>
+          <a:p>
+            <a:r>
+              <a:rPr lang="lt-LT" dirty="0"/>
+              <a:t>Unity</a:t>
+            </a:r>
+          </a:p>
+          <a:p>
+            <a:r>
+              <a:rPr lang="lt-LT" dirty="0"/>
+              <a:t>Photoshop</a:t>
+            </a:r>
+          </a:p>
+          <a:p>
+            <a:r>
+              <a:rPr lang="lt-LT" dirty="0"/>
+              <a:t>Visual Studio</a:t>
+            </a:r>
+          </a:p>
+        </p:txBody>
+      </p:sp>
+    </p:spTree>
+    <p:extLst>
+      <p:ext uri="{BB962C8B-B14F-4D97-AF65-F5344CB8AC3E}">
+        <p14:creationId xmlns:p14="http://schemas.microsoft.com/office/powerpoint/2010/main" val="1919320893"/>
+      </p:ext>
+    </p:extLst>
+  </p:cSld>
+  <p:clrMapOvr>
+    <a:masterClrMapping/>
+  </p:clrMapOvr>
+</p:sld>
+</file>
+
+<file path=ppt/slides/slide13.xml><?xml version="1.0" encoding="utf-8"?>
+<p:sld xmlns:a="http://schemas.openxmlformats.org/drawingml/2006/main" xmlns:r="http://schemas.openxmlformats.org/officeDocument/2006/relationships" xmlns:p="http://schemas.openxmlformats.org/presentationml/2006/main">
+  <p:cSld>
+    <p:spTree>
+      <p:nvGrpSpPr>
+        <p:cNvPr id="1" name=""/>
+        <p:cNvGrpSpPr/>
+        <p:nvPr/>
+      </p:nvGrpSpPr>
+      <p:grpSpPr>
+        <a:xfrm>
+          <a:off x="0" y="0"/>
+          <a:ext cx="0" cy="0"/>
+          <a:chOff x="0" y="0"/>
+          <a:chExt cx="0" cy="0"/>
+        </a:xfrm>
+      </p:grpSpPr>
+      <p:sp>
+        <p:nvSpPr>
+          <p:cNvPr id="2" name="Title 1"/>
+          <p:cNvSpPr>
+            <a:spLocks noGrp="1"/>
+          </p:cNvSpPr>
+          <p:nvPr>
+            <p:ph type="title"/>
+          </p:nvPr>
+        </p:nvSpPr>
+        <p:spPr/>
+        <p:txBody>
+          <a:bodyPr/>
+          <a:lstStyle/>
+          <a:p>
+            <a:pPr algn="ctr"/>
+            <a:r>
+              <a:rPr lang="lt-LT" dirty="0"/>
+              <a:t>Išvados</a:t>
+            </a:r>
+          </a:p>
+        </p:txBody>
+      </p:sp>
+      <p:sp>
+        <p:nvSpPr>
+          <p:cNvPr id="3" name="Content Placeholder 2"/>
+          <p:cNvSpPr>
+            <a:spLocks noGrp="1"/>
+          </p:cNvSpPr>
+          <p:nvPr>
+            <p:ph idx="1"/>
+          </p:nvPr>
+        </p:nvSpPr>
+        <p:spPr/>
+        <p:txBody>
+          <a:bodyPr/>
+          <a:lstStyle/>
+          <a:p>
+            <a:r>
+              <a:rPr lang="lt-LT" dirty="0"/>
+              <a:t>Antro laboratorinio darbo metu sudarytos klasių, būsenų, </a:t>
+            </a:r>
+            <a:r>
+              <a:rPr lang="lt-LT" dirty="0" smtClean="0"/>
+              <a:t>sekų, veiklų </a:t>
+            </a:r>
+            <a:r>
+              <a:rPr lang="lt-LT" dirty="0"/>
+              <a:t>ir panaudos atvejų diagramos. Nurodėmė kokius darbus jau padarėme ir kokie dar laukia.</a:t>
+            </a:r>
+          </a:p>
+        </p:txBody>
+      </p:sp>
+    </p:spTree>
+    <p:extLst>
+      <p:ext uri="{BB962C8B-B14F-4D97-AF65-F5344CB8AC3E}">
+        <p14:creationId xmlns:p14="http://schemas.microsoft.com/office/powerpoint/2010/main" val="2593600179"/>
+      </p:ext>
+    </p:extLst>
+  </p:cSld>
+  <p:clrMapOvr>
+    <a:masterClrMapping/>
+  </p:clrMapOvr>
+</p:sld>
+</file>
+
+<file path=ppt/slides/slide14.xml><?xml version="1.0" encoding="utf-8"?>
+<p:sld xmlns:a="http://schemas.openxmlformats.org/drawingml/2006/main" xmlns:r="http://schemas.openxmlformats.org/officeDocument/2006/relationships" xmlns:p="http://schemas.openxmlformats.org/presentationml/2006/main">
+  <p:cSld>
+    <p:spTree>
+      <p:nvGrpSpPr>
+        <p:cNvPr id="1" name=""/>
+        <p:cNvGrpSpPr/>
+        <p:nvPr/>
+      </p:nvGrpSpPr>
+      <p:grpSpPr>
+        <a:xfrm>
+          <a:off x="0" y="0"/>
+          <a:ext cx="0" cy="0"/>
+          <a:chOff x="0" y="0"/>
+          <a:chExt cx="0" cy="0"/>
+        </a:xfrm>
+      </p:grpSpPr>
+      <p:sp>
+        <p:nvSpPr>
+          <p:cNvPr id="2" name="Title 1"/>
+          <p:cNvSpPr>
+            <a:spLocks noGrp="1"/>
+          </p:cNvSpPr>
+          <p:nvPr>
+            <p:ph type="title"/>
+          </p:nvPr>
+        </p:nvSpPr>
         <p:spPr/>
         <p:txBody>
           <a:bodyPr/>
@@ -3886,7 +4898,7 @@
         </p:blipFill>
         <p:spPr bwMode="auto">
           <a:xfrm>
-            <a:off x="4952852" y="2460018"/>
+            <a:off x="4952852" y="2413524"/>
             <a:ext cx="2683845" cy="2648219"/>
           </a:xfrm>
           <a:prstGeom prst="rect">
@@ -3969,10 +4981,62 @@
         </p:nvSpPr>
         <p:spPr/>
         <p:txBody>
-          <a:bodyPr/>
-          <a:lstStyle/>
-          <a:p>
-            <a:endParaRPr lang="lt-LT" dirty="0"/>
+          <a:bodyPr>
+            <a:normAutofit fontScale="92500" lnSpcReduction="20000"/>
+          </a:bodyPr>
+          <a:lstStyle/>
+          <a:p>
+            <a:r>
+              <a:rPr lang="en-US" dirty="0" err="1"/>
+              <a:t>Tikslai</a:t>
+            </a:r>
+            <a:endParaRPr lang="en-US" dirty="0"/>
+          </a:p>
+          <a:p>
+            <a:r>
+              <a:rPr lang="en-US" dirty="0"/>
+              <a:t>Program</a:t>
+            </a:r>
+            <a:r>
+              <a:rPr lang="lt-LT" dirty="0"/>
+              <a:t>ėlės šablonas</a:t>
+            </a:r>
+          </a:p>
+          <a:p>
+            <a:r>
+              <a:rPr lang="lt-LT" dirty="0"/>
+              <a:t>Klasių diagrama</a:t>
+            </a:r>
+          </a:p>
+          <a:p>
+            <a:r>
+              <a:rPr lang="lt-LT" dirty="0"/>
+              <a:t>Būsenų diagrama</a:t>
+            </a:r>
+          </a:p>
+          <a:p>
+            <a:r>
+              <a:rPr lang="lt-LT" dirty="0"/>
+              <a:t>Sekų diagrama</a:t>
+            </a:r>
+          </a:p>
+          <a:p>
+            <a:r>
+              <a:rPr lang="lt-LT" dirty="0"/>
+              <a:t>Panaudos atvejų diagrama</a:t>
+            </a:r>
+          </a:p>
+          <a:p>
+            <a:r>
+              <a:rPr lang="lt-LT" dirty="0"/>
+              <a:t>Kūrimo priemonės</a:t>
+            </a:r>
+          </a:p>
+          <a:p>
+            <a:r>
+              <a:rPr lang="lt-LT" dirty="0"/>
+              <a:t>Išvados</a:t>
+            </a:r>
           </a:p>
         </p:txBody>
       </p:sp>
@@ -4044,16 +5108,14 @@
           <a:bodyPr/>
           <a:lstStyle/>
           <a:p>
+            <a:pPr lvl="0"/>
+            <a:r>
+              <a:rPr lang="lt-LT" dirty="0" smtClean="0"/>
+              <a:t>Paskirti </a:t>
+            </a:r>
             <a:r>
               <a:rPr lang="lt-LT" dirty="0"/>
-              <a:t>Scrum principu sukurti žaidimą, kuris įtrauktų. </a:t>
-            </a:r>
-          </a:p>
-          <a:p>
-            <a:pPr lvl="0"/>
-            <a:r>
-              <a:rPr lang="lt-LT" dirty="0"/>
-              <a:t>Paskirti darbus kiekvienam komandos nariui ir laikantis grafiko atlikti numatytas užduotis;</a:t>
+              <a:t>darbus kiekvienam komandos nariui ir laikantis grafiko atlikti numatytas užduotis;</a:t>
             </a:r>
           </a:p>
           <a:p>
@@ -4121,25 +5183,35 @@
           </a:p>
         </p:txBody>
       </p:sp>
-      <p:sp>
-        <p:nvSpPr>
-          <p:cNvPr id="3" name="Content Placeholder 2"/>
-          <p:cNvSpPr>
-            <a:spLocks noGrp="1"/>
-          </p:cNvSpPr>
+      <p:pic>
+        <p:nvPicPr>
+          <p:cNvPr id="4" name="Content Placeholder 3"/>
+          <p:cNvPicPr>
+            <a:picLocks noGrp="1" noChangeAspect="1"/>
+          </p:cNvPicPr>
           <p:nvPr>
             <p:ph idx="1"/>
           </p:nvPr>
-        </p:nvSpPr>
-        <p:spPr/>
-        <p:txBody>
-          <a:bodyPr/>
-          <a:lstStyle/>
-          <a:p>
-            <a:endParaRPr lang="lt-LT" dirty="0"/>
-          </a:p>
-        </p:txBody>
-      </p:sp>
+        </p:nvPicPr>
+        <p:blipFill>
+          <a:blip r:embed="rId2" cstate="print">
+            <a:extLst>
+              <a:ext uri="{28A0092B-C50C-407E-A947-70E740481C1C}">
+                <a14:useLocalDpi xmlns:a14="http://schemas.microsoft.com/office/drawing/2010/main" val="0"/>
+              </a:ext>
+            </a:extLst>
+          </a:blip>
+          <a:stretch>
+            <a:fillRect/>
+          </a:stretch>
+        </p:blipFill>
+        <p:spPr>
+          <a:xfrm>
+            <a:off x="3228887" y="2016125"/>
+            <a:ext cx="6132689" cy="3449638"/>
+          </a:xfrm>
+        </p:spPr>
+      </p:pic>
     </p:spTree>
     <p:extLst>
       <p:ext uri="{BB962C8B-B14F-4D97-AF65-F5344CB8AC3E}">
@@ -4185,37 +5257,43 @@
           <a:bodyPr/>
           <a:lstStyle/>
           <a:p>
-            <a:pPr algn="ctr"/>
-            <a:r>
-              <a:rPr lang="lt-LT" dirty="0"/>
-              <a:t>Klasių diagrama</a:t>
-            </a:r>
-          </a:p>
-        </p:txBody>
-      </p:sp>
-      <p:sp>
-        <p:nvSpPr>
-          <p:cNvPr id="3" name="Content Placeholder 2"/>
-          <p:cNvSpPr>
-            <a:spLocks noGrp="1"/>
-          </p:cNvSpPr>
+            <a:endParaRPr lang="lt-LT"/>
+          </a:p>
+        </p:txBody>
+      </p:sp>
+      <p:pic>
+        <p:nvPicPr>
+          <p:cNvPr id="4" name="Content Placeholder 3"/>
+          <p:cNvPicPr>
+            <a:picLocks noGrp="1" noChangeAspect="1"/>
+          </p:cNvPicPr>
           <p:nvPr>
             <p:ph idx="1"/>
           </p:nvPr>
-        </p:nvSpPr>
-        <p:spPr/>
-        <p:txBody>
-          <a:bodyPr/>
-          <a:lstStyle/>
-          <a:p>
-            <a:endParaRPr lang="lt-LT"/>
-          </a:p>
-        </p:txBody>
-      </p:sp>
+        </p:nvPicPr>
+        <p:blipFill>
+          <a:blip r:embed="rId2" cstate="print">
+            <a:extLst>
+              <a:ext uri="{28A0092B-C50C-407E-A947-70E740481C1C}">
+                <a14:useLocalDpi xmlns:a14="http://schemas.microsoft.com/office/drawing/2010/main" val="0"/>
+              </a:ext>
+            </a:extLst>
+          </a:blip>
+          <a:stretch>
+            <a:fillRect/>
+          </a:stretch>
+        </p:blipFill>
+        <p:spPr>
+          <a:xfrm>
+            <a:off x="3228887" y="2016125"/>
+            <a:ext cx="6132689" cy="3449638"/>
+          </a:xfrm>
+        </p:spPr>
+      </p:pic>
     </p:spTree>
     <p:extLst>
       <p:ext uri="{BB962C8B-B14F-4D97-AF65-F5344CB8AC3E}">
-        <p14:creationId xmlns:p14="http://schemas.microsoft.com/office/powerpoint/2010/main" val="1803491544"/>
+        <p14:creationId xmlns:p14="http://schemas.microsoft.com/office/powerpoint/2010/main" val="570430174"/>
       </p:ext>
     </p:extLst>
   </p:cSld>
@@ -4257,37 +5335,43 @@
           <a:bodyPr/>
           <a:lstStyle/>
           <a:p>
-            <a:pPr algn="ctr"/>
-            <a:r>
-              <a:rPr lang="lt-LT" dirty="0"/>
-              <a:t>Būsenų diagrama</a:t>
-            </a:r>
-          </a:p>
-        </p:txBody>
-      </p:sp>
-      <p:sp>
-        <p:nvSpPr>
-          <p:cNvPr id="3" name="Content Placeholder 2"/>
-          <p:cNvSpPr>
-            <a:spLocks noGrp="1"/>
-          </p:cNvSpPr>
+            <a:endParaRPr lang="lt-LT"/>
+          </a:p>
+        </p:txBody>
+      </p:sp>
+      <p:pic>
+        <p:nvPicPr>
+          <p:cNvPr id="4" name="Content Placeholder 3"/>
+          <p:cNvPicPr>
+            <a:picLocks noGrp="1" noChangeAspect="1"/>
+          </p:cNvPicPr>
           <p:nvPr>
             <p:ph idx="1"/>
           </p:nvPr>
-        </p:nvSpPr>
-        <p:spPr/>
-        <p:txBody>
-          <a:bodyPr/>
-          <a:lstStyle/>
-          <a:p>
-            <a:endParaRPr lang="lt-LT"/>
-          </a:p>
-        </p:txBody>
-      </p:sp>
+        </p:nvPicPr>
+        <p:blipFill>
+          <a:blip r:embed="rId2" cstate="print">
+            <a:extLst>
+              <a:ext uri="{28A0092B-C50C-407E-A947-70E740481C1C}">
+                <a14:useLocalDpi xmlns:a14="http://schemas.microsoft.com/office/drawing/2010/main" val="0"/>
+              </a:ext>
+            </a:extLst>
+          </a:blip>
+          <a:stretch>
+            <a:fillRect/>
+          </a:stretch>
+        </p:blipFill>
+        <p:spPr>
+          <a:xfrm>
+            <a:off x="3228887" y="2016125"/>
+            <a:ext cx="6132689" cy="3449638"/>
+          </a:xfrm>
+        </p:spPr>
+      </p:pic>
     </p:spTree>
     <p:extLst>
       <p:ext uri="{BB962C8B-B14F-4D97-AF65-F5344CB8AC3E}">
-        <p14:creationId xmlns:p14="http://schemas.microsoft.com/office/powerpoint/2010/main" val="2378020360"/>
+        <p14:creationId xmlns:p14="http://schemas.microsoft.com/office/powerpoint/2010/main" val="1239437945"/>
       </p:ext>
     </p:extLst>
   </p:cSld>
@@ -4332,34 +5416,44 @@
             <a:pPr algn="ctr"/>
             <a:r>
               <a:rPr lang="lt-LT" dirty="0"/>
-              <a:t>Sekų diagrama</a:t>
-            </a:r>
-          </a:p>
-        </p:txBody>
-      </p:sp>
-      <p:sp>
-        <p:nvSpPr>
-          <p:cNvPr id="3" name="Content Placeholder 2"/>
-          <p:cNvSpPr>
-            <a:spLocks noGrp="1"/>
-          </p:cNvSpPr>
+              <a:t>Klasių diagrama</a:t>
+            </a:r>
+          </a:p>
+        </p:txBody>
+      </p:sp>
+      <p:pic>
+        <p:nvPicPr>
+          <p:cNvPr id="4" name="Content Placeholder 3"/>
+          <p:cNvPicPr>
+            <a:picLocks noGrp="1" noChangeAspect="1"/>
+          </p:cNvPicPr>
           <p:nvPr>
             <p:ph idx="1"/>
           </p:nvPr>
-        </p:nvSpPr>
-        <p:spPr/>
-        <p:txBody>
-          <a:bodyPr/>
-          <a:lstStyle/>
-          <a:p>
-            <a:endParaRPr lang="lt-LT"/>
-          </a:p>
-        </p:txBody>
-      </p:sp>
+        </p:nvPicPr>
+        <p:blipFill>
+          <a:blip r:embed="rId2">
+            <a:extLst>
+              <a:ext uri="{28A0092B-C50C-407E-A947-70E740481C1C}">
+                <a14:useLocalDpi xmlns:a14="http://schemas.microsoft.com/office/drawing/2010/main" val="0"/>
+              </a:ext>
+            </a:extLst>
+          </a:blip>
+          <a:stretch>
+            <a:fillRect/>
+          </a:stretch>
+        </p:blipFill>
+        <p:spPr>
+          <a:xfrm>
+            <a:off x="3392557" y="1853754"/>
+            <a:ext cx="5897218" cy="4090726"/>
+          </a:xfrm>
+        </p:spPr>
+      </p:pic>
     </p:spTree>
     <p:extLst>
       <p:ext uri="{BB962C8B-B14F-4D97-AF65-F5344CB8AC3E}">
-        <p14:creationId xmlns:p14="http://schemas.microsoft.com/office/powerpoint/2010/main" val="3167586222"/>
+        <p14:creationId xmlns:p14="http://schemas.microsoft.com/office/powerpoint/2010/main" val="1803491544"/>
       </p:ext>
     </p:extLst>
   </p:cSld>
@@ -4396,42 +5490,88 @@
             <p:ph type="title"/>
           </p:nvPr>
         </p:nvSpPr>
+        <p:spPr>
+          <a:xfrm>
+            <a:off x="1457422" y="134817"/>
+            <a:ext cx="9520158" cy="1049235"/>
+          </a:xfrm>
+        </p:spPr>
+        <p:txBody>
+          <a:bodyPr/>
+          <a:lstStyle/>
+          <a:p>
+            <a:pPr algn="ctr"/>
+            <a:r>
+              <a:rPr lang="lt-LT" dirty="0"/>
+              <a:t>Būsenų diagrama</a:t>
+            </a:r>
+          </a:p>
+        </p:txBody>
+      </p:sp>
+      <p:sp>
+        <p:nvSpPr>
+          <p:cNvPr id="3" name="Content Placeholder 2"/>
+          <p:cNvSpPr>
+            <a:spLocks noGrp="1"/>
+          </p:cNvSpPr>
+          <p:nvPr>
+            <p:ph idx="1"/>
+          </p:nvPr>
+        </p:nvSpPr>
         <p:spPr/>
         <p:txBody>
           <a:bodyPr/>
           <a:lstStyle/>
           <a:p>
-            <a:pPr algn="ctr"/>
-            <a:r>
-              <a:rPr lang="lt-LT" dirty="0"/>
-              <a:t>Panaudos atvejų diagrama</a:t>
-            </a:r>
-          </a:p>
-        </p:txBody>
-      </p:sp>
-      <p:sp>
-        <p:nvSpPr>
-          <p:cNvPr id="3" name="Content Placeholder 2"/>
-          <p:cNvSpPr>
-            <a:spLocks noGrp="1"/>
-          </p:cNvSpPr>
-          <p:nvPr>
-            <p:ph idx="1"/>
-          </p:nvPr>
-        </p:nvSpPr>
-        <p:spPr/>
-        <p:txBody>
-          <a:bodyPr/>
-          <a:lstStyle/>
-          <a:p>
-            <a:endParaRPr lang="lt-LT" dirty="0"/>
-          </a:p>
-        </p:txBody>
-      </p:sp>
+            <a:endParaRPr lang="lt-LT"/>
+          </a:p>
+        </p:txBody>
+      </p:sp>
+      <p:pic>
+        <p:nvPicPr>
+          <p:cNvPr id="2050" name="Picture 2" descr="E:\Atsisiuntimai\18518555_1729546843727278_940933877_n.png"/>
+          <p:cNvPicPr>
+            <a:picLocks noChangeAspect="1" noChangeArrowheads="1"/>
+          </p:cNvPicPr>
+          <p:nvPr/>
+        </p:nvPicPr>
+        <p:blipFill>
+          <a:blip r:embed="rId2">
+            <a:extLst>
+              <a:ext uri="{28A0092B-C50C-407E-A947-70E740481C1C}">
+                <a14:useLocalDpi xmlns:a14="http://schemas.microsoft.com/office/drawing/2010/main" val="0"/>
+              </a:ext>
+            </a:extLst>
+          </a:blip>
+          <a:srcRect/>
+          <a:stretch>
+            <a:fillRect/>
+          </a:stretch>
+        </p:blipFill>
+        <p:spPr bwMode="auto">
+          <a:xfrm>
+            <a:off x="2102367" y="1226621"/>
+            <a:ext cx="8724900" cy="4629150"/>
+          </a:xfrm>
+          <a:prstGeom prst="rect">
+            <a:avLst/>
+          </a:prstGeom>
+          <a:noFill/>
+          <a:extLst>
+            <a:ext uri="{909E8E84-426E-40DD-AFC4-6F175D3DCCD1}">
+              <a14:hiddenFill xmlns:a14="http://schemas.microsoft.com/office/drawing/2010/main">
+                <a:solidFill>
+                  <a:srgbClr val="FFFFFF"/>
+                </a:solidFill>
+              </a14:hiddenFill>
+            </a:ext>
+          </a:extLst>
+        </p:spPr>
+      </p:pic>
     </p:spTree>
     <p:extLst>
       <p:ext uri="{BB962C8B-B14F-4D97-AF65-F5344CB8AC3E}">
-        <p14:creationId xmlns:p14="http://schemas.microsoft.com/office/powerpoint/2010/main" val="1912698482"/>
+        <p14:creationId xmlns:p14="http://schemas.microsoft.com/office/powerpoint/2010/main" val="2378020360"/>
       </p:ext>
     </p:extLst>
   </p:cSld>
@@ -4460,6 +5600,694 @@
       </p:grpSpPr>
       <p:sp>
         <p:nvSpPr>
+          <p:cNvPr id="9" name="Rectangle 8"/>
+          <p:cNvSpPr>
+            <a:spLocks noGrp="1" noRot="1" noChangeAspect="1" noMove="1" noResize="1" noEditPoints="1" noAdjustHandles="1" noChangeArrowheads="1" noChangeShapeType="1" noTextEdit="1"/>
+          </p:cNvSpPr>
+          <p:nvPr>
+            <p:extLst>
+              <p:ext uri="{386F3935-93C4-4BCD-93E2-E3B085C9AB24}">
+                <p16:designElem xmlns="" xmlns:p16="http://schemas.microsoft.com/office/powerpoint/2015/main" val="1"/>
+              </p:ext>
+            </p:extLst>
+          </p:nvPr>
+        </p:nvSpPr>
+        <p:spPr bwMode="white">
+          <a:xfrm>
+            <a:off x="0" y="0"/>
+            <a:ext cx="12192000" cy="6858000"/>
+          </a:xfrm>
+          <a:prstGeom prst="rect">
+            <a:avLst/>
+          </a:prstGeom>
+          <a:gradFill rotWithShape="1">
+            <a:gsLst>
+              <a:gs pos="0">
+                <a:schemeClr val="bg2">
+                  <a:tint val="94000"/>
+                  <a:satMod val="80000"/>
+                  <a:lumMod val="106000"/>
+                </a:schemeClr>
+              </a:gs>
+              <a:gs pos="100000">
+                <a:schemeClr val="bg2">
+                  <a:shade val="80000"/>
+                </a:schemeClr>
+              </a:gs>
+            </a:gsLst>
+            <a:path path="circle">
+              <a:fillToRect l="43000" r="43000" b="100000"/>
+            </a:path>
+          </a:gradFill>
+          <a:ln>
+            <a:noFill/>
+          </a:ln>
+          <a:effectLst/>
+        </p:spPr>
+      </p:sp>
+      <p:sp>
+        <p:nvSpPr>
+          <p:cNvPr id="11" name="Rectangle 10"/>
+          <p:cNvSpPr>
+            <a:spLocks noGrp="1" noRot="1" noChangeAspect="1" noMove="1" noResize="1" noEditPoints="1" noAdjustHandles="1" noChangeArrowheads="1" noChangeShapeType="1" noTextEdit="1"/>
+          </p:cNvSpPr>
+          <p:nvPr>
+            <p:extLst>
+              <p:ext uri="{386F3935-93C4-4BCD-93E2-E3B085C9AB24}">
+                <p16:designElem xmlns="" xmlns:p16="http://schemas.microsoft.com/office/powerpoint/2015/main" val="1"/>
+              </p:ext>
+            </p:extLst>
+          </p:nvPr>
+        </p:nvSpPr>
+        <p:spPr>
+          <a:xfrm>
+            <a:off x="0" y="2015732"/>
+            <a:ext cx="12192000" cy="4118829"/>
+          </a:xfrm>
+          <a:prstGeom prst="rect">
+            <a:avLst/>
+          </a:prstGeom>
+          <a:gradFill flip="none" rotWithShape="1">
+            <a:gsLst>
+              <a:gs pos="0">
+                <a:schemeClr val="bg2">
+                  <a:alpha val="0"/>
+                </a:schemeClr>
+              </a:gs>
+              <a:gs pos="100000">
+                <a:schemeClr val="bg2"/>
+              </a:gs>
+            </a:gsLst>
+            <a:lin ang="5400000" scaled="0"/>
+            <a:tileRect/>
+          </a:gradFill>
+          <a:ln>
+            <a:noFill/>
+          </a:ln>
+        </p:spPr>
+        <p:style>
+          <a:lnRef idx="2">
+            <a:schemeClr val="accent1">
+              <a:shade val="50000"/>
+            </a:schemeClr>
+          </a:lnRef>
+          <a:fillRef idx="1">
+            <a:schemeClr val="accent1"/>
+          </a:fillRef>
+          <a:effectRef idx="0">
+            <a:schemeClr val="accent1"/>
+          </a:effectRef>
+          <a:fontRef idx="minor">
+            <a:schemeClr val="lt1"/>
+          </a:fontRef>
+        </p:style>
+      </p:sp>
+      <p:pic>
+        <p:nvPicPr>
+          <p:cNvPr id="13" name="Picture 12"/>
+          <p:cNvPicPr>
+            <a:picLocks noGrp="1" noRot="1" noChangeAspect="1" noMove="1" noResize="1" noEditPoints="1" noAdjustHandles="1" noChangeArrowheads="1" noChangeShapeType="1" noCrop="1"/>
+          </p:cNvPicPr>
+          <p:nvPr>
+            <p:extLst>
+              <p:ext uri="{386F3935-93C4-4BCD-93E2-E3B085C9AB24}">
+                <p16:designElem xmlns="" xmlns:p16="http://schemas.microsoft.com/office/powerpoint/2015/main" val="1"/>
+              </p:ext>
+            </p:extLst>
+          </p:nvPr>
+        </p:nvPicPr>
+        <p:blipFill rotWithShape="1">
+          <a:blip r:embed="rId2"/>
+          <a:srcRect t="2769" b="-2769"/>
+          <a:stretch/>
+        </p:blipFill>
+        <p:spPr>
+          <a:xfrm>
+            <a:off x="0" y="6135624"/>
+            <a:ext cx="12192000" cy="742950"/>
+          </a:xfrm>
+          <a:prstGeom prst="rect">
+            <a:avLst/>
+          </a:prstGeom>
+        </p:spPr>
+      </p:pic>
+      <p:cxnSp>
+        <p:nvCxnSpPr>
+          <p:cNvPr id="15" name="Straight Connector 14"/>
+          <p:cNvCxnSpPr>
+            <a:cxnSpLocks noGrp="1" noRot="1" noChangeAspect="1" noMove="1" noResize="1" noEditPoints="1" noAdjustHandles="1" noChangeArrowheads="1" noChangeShapeType="1"/>
+          </p:cNvCxnSpPr>
+          <p:nvPr>
+            <p:extLst>
+              <p:ext uri="{386F3935-93C4-4BCD-93E2-E3B085C9AB24}">
+                <p16:designElem xmlns="" xmlns:p16="http://schemas.microsoft.com/office/powerpoint/2015/main" val="1"/>
+              </p:ext>
+            </p:extLst>
+          </p:nvPr>
+        </p:nvCxnSpPr>
+        <p:spPr>
+          <a:xfrm>
+            <a:off x="0" y="6141705"/>
+            <a:ext cx="12192000" cy="0"/>
+          </a:xfrm>
+          <a:prstGeom prst="line">
+            <a:avLst/>
+          </a:prstGeom>
+          <a:ln w="12700">
+            <a:solidFill>
+              <a:srgbClr val="000001">
+                <a:alpha val="20000"/>
+              </a:srgbClr>
+            </a:solidFill>
+          </a:ln>
+        </p:spPr>
+        <p:style>
+          <a:lnRef idx="1">
+            <a:schemeClr val="accent1"/>
+          </a:lnRef>
+          <a:fillRef idx="0">
+            <a:schemeClr val="accent1"/>
+          </a:fillRef>
+          <a:effectRef idx="0">
+            <a:schemeClr val="accent1"/>
+          </a:effectRef>
+          <a:fontRef idx="minor">
+            <a:schemeClr val="tx1"/>
+          </a:fontRef>
+        </p:style>
+      </p:cxnSp>
+      <p:cxnSp>
+        <p:nvCxnSpPr>
+          <p:cNvPr id="17" name="Straight Connector 16"/>
+          <p:cNvCxnSpPr>
+            <a:cxnSpLocks noGrp="1" noRot="1" noChangeAspect="1" noMove="1" noResize="1" noEditPoints="1" noAdjustHandles="1" noChangeArrowheads="1" noChangeShapeType="1"/>
+          </p:cNvCxnSpPr>
+          <p:nvPr>
+            <p:extLst>
+              <p:ext uri="{386F3935-93C4-4BCD-93E2-E3B085C9AB24}">
+                <p16:designElem xmlns="" xmlns:p16="http://schemas.microsoft.com/office/powerpoint/2015/main" val="1"/>
+              </p:ext>
+            </p:extLst>
+          </p:nvPr>
+        </p:nvCxnSpPr>
+        <p:spPr>
+          <a:xfrm>
+            <a:off x="2334637" y="798973"/>
+            <a:ext cx="0" cy="2544756"/>
+          </a:xfrm>
+          <a:prstGeom prst="line">
+            <a:avLst/>
+          </a:prstGeom>
+          <a:ln w="38100" cmpd="sng">
+            <a:solidFill>
+              <a:schemeClr val="accent1"/>
+            </a:solidFill>
+            <a:prstDash val="solid"/>
+            <a:tailEnd type="none"/>
+          </a:ln>
+        </p:spPr>
+        <p:style>
+          <a:lnRef idx="3">
+            <a:schemeClr val="accent1"/>
+          </a:lnRef>
+          <a:fillRef idx="0">
+            <a:schemeClr val="accent1"/>
+          </a:fillRef>
+          <a:effectRef idx="2">
+            <a:schemeClr val="accent1"/>
+          </a:effectRef>
+          <a:fontRef idx="minor">
+            <a:schemeClr val="tx1"/>
+          </a:fontRef>
+        </p:style>
+      </p:cxnSp>
+      <p:sp useBgFill="1">
+        <p:nvSpPr>
+          <p:cNvPr id="19" name="Rectangle 18"/>
+          <p:cNvSpPr>
+            <a:spLocks noGrp="1" noRot="1" noChangeAspect="1" noMove="1" noResize="1" noEditPoints="1" noAdjustHandles="1" noChangeArrowheads="1" noChangeShapeType="1" noTextEdit="1"/>
+          </p:cNvSpPr>
+          <p:nvPr>
+            <p:extLst>
+              <p:ext uri="{386F3935-93C4-4BCD-93E2-E3B085C9AB24}">
+                <p16:designElem xmlns="" xmlns:p16="http://schemas.microsoft.com/office/powerpoint/2015/main" val="1"/>
+              </p:ext>
+            </p:extLst>
+          </p:nvPr>
+        </p:nvSpPr>
+        <p:spPr>
+          <a:xfrm>
+            <a:off x="2" y="0"/>
+            <a:ext cx="12191695" cy="6858000"/>
+          </a:xfrm>
+          <a:prstGeom prst="rect">
+            <a:avLst/>
+          </a:prstGeom>
+          <a:ln>
+            <a:noFill/>
+          </a:ln>
+        </p:spPr>
+        <p:style>
+          <a:lnRef idx="2">
+            <a:schemeClr val="accent1">
+              <a:shade val="50000"/>
+            </a:schemeClr>
+          </a:lnRef>
+          <a:fillRef idx="1">
+            <a:schemeClr val="accent1"/>
+          </a:fillRef>
+          <a:effectRef idx="0">
+            <a:schemeClr val="accent1"/>
+          </a:effectRef>
+          <a:fontRef idx="minor">
+            <a:schemeClr val="lt1"/>
+          </a:fontRef>
+        </p:style>
+        <p:txBody>
+          <a:bodyPr rtlCol="0" anchor="ctr"/>
+          <a:lstStyle/>
+          <a:p>
+            <a:pPr algn="ctr"/>
+            <a:endParaRPr lang="en-US"/>
+          </a:p>
+        </p:txBody>
+      </p:sp>
+      <p:sp>
+        <p:nvSpPr>
+          <p:cNvPr id="21" name="Rectangle 20"/>
+          <p:cNvSpPr>
+            <a:spLocks noGrp="1" noRot="1" noChangeAspect="1" noMove="1" noResize="1" noEditPoints="1" noAdjustHandles="1" noChangeArrowheads="1" noChangeShapeType="1" noTextEdit="1"/>
+          </p:cNvSpPr>
+          <p:nvPr>
+            <p:extLst>
+              <p:ext uri="{386F3935-93C4-4BCD-93E2-E3B085C9AB24}">
+                <p16:designElem xmlns="" xmlns:p16="http://schemas.microsoft.com/office/powerpoint/2015/main" val="1"/>
+              </p:ext>
+            </p:extLst>
+          </p:nvPr>
+        </p:nvSpPr>
+        <p:spPr>
+          <a:xfrm>
+            <a:off x="0" y="2015732"/>
+            <a:ext cx="12192000" cy="4118829"/>
+          </a:xfrm>
+          <a:prstGeom prst="rect">
+            <a:avLst/>
+          </a:prstGeom>
+          <a:gradFill flip="none" rotWithShape="1">
+            <a:gsLst>
+              <a:gs pos="0">
+                <a:schemeClr val="bg2">
+                  <a:alpha val="0"/>
+                </a:schemeClr>
+              </a:gs>
+              <a:gs pos="100000">
+                <a:schemeClr val="bg2"/>
+              </a:gs>
+            </a:gsLst>
+            <a:lin ang="5400000" scaled="0"/>
+            <a:tileRect/>
+          </a:gradFill>
+          <a:ln>
+            <a:noFill/>
+          </a:ln>
+        </p:spPr>
+        <p:style>
+          <a:lnRef idx="2">
+            <a:schemeClr val="accent1">
+              <a:shade val="50000"/>
+            </a:schemeClr>
+          </a:lnRef>
+          <a:fillRef idx="1">
+            <a:schemeClr val="accent1"/>
+          </a:fillRef>
+          <a:effectRef idx="0">
+            <a:schemeClr val="accent1"/>
+          </a:effectRef>
+          <a:fontRef idx="minor">
+            <a:schemeClr val="lt1"/>
+          </a:fontRef>
+        </p:style>
+        <p:txBody>
+          <a:bodyPr rtlCol="0" anchor="ctr"/>
+          <a:lstStyle/>
+          <a:p>
+            <a:pPr lvl="0" algn="ctr"/>
+            <a:endParaRPr lang="en-US"/>
+          </a:p>
+        </p:txBody>
+      </p:sp>
+      <p:pic>
+        <p:nvPicPr>
+          <p:cNvPr id="23" name="Picture 22"/>
+          <p:cNvPicPr>
+            <a:picLocks noGrp="1" noRot="1" noChangeAspect="1" noMove="1" noResize="1" noEditPoints="1" noAdjustHandles="1" noChangeArrowheads="1" noChangeShapeType="1" noCrop="1"/>
+          </p:cNvPicPr>
+          <p:nvPr>
+            <p:extLst>
+              <p:ext uri="{386F3935-93C4-4BCD-93E2-E3B085C9AB24}">
+                <p16:designElem xmlns="" xmlns:p16="http://schemas.microsoft.com/office/powerpoint/2015/main" val="1"/>
+              </p:ext>
+            </p:extLst>
+          </p:nvPr>
+        </p:nvPicPr>
+        <p:blipFill rotWithShape="1">
+          <a:blip r:embed="rId2"/>
+          <a:srcRect t="2769" b="-2769"/>
+          <a:stretch/>
+        </p:blipFill>
+        <p:spPr>
+          <a:xfrm>
+            <a:off x="0" y="6135624"/>
+            <a:ext cx="12192000" cy="742950"/>
+          </a:xfrm>
+          <a:prstGeom prst="rect">
+            <a:avLst/>
+          </a:prstGeom>
+        </p:spPr>
+      </p:pic>
+      <p:cxnSp>
+        <p:nvCxnSpPr>
+          <p:cNvPr id="25" name="Straight Connector 24"/>
+          <p:cNvCxnSpPr>
+            <a:cxnSpLocks noGrp="1" noRot="1" noChangeAspect="1" noMove="1" noResize="1" noEditPoints="1" noAdjustHandles="1" noChangeArrowheads="1" noChangeShapeType="1"/>
+          </p:cNvCxnSpPr>
+          <p:nvPr>
+            <p:extLst>
+              <p:ext uri="{386F3935-93C4-4BCD-93E2-E3B085C9AB24}">
+                <p16:designElem xmlns="" xmlns:p16="http://schemas.microsoft.com/office/powerpoint/2015/main" val="1"/>
+              </p:ext>
+            </p:extLst>
+          </p:nvPr>
+        </p:nvCxnSpPr>
+        <p:spPr>
+          <a:xfrm>
+            <a:off x="0" y="6141705"/>
+            <a:ext cx="12192000" cy="0"/>
+          </a:xfrm>
+          <a:prstGeom prst="line">
+            <a:avLst/>
+          </a:prstGeom>
+          <a:ln w="12700">
+            <a:solidFill>
+              <a:srgbClr val="000001">
+                <a:alpha val="20000"/>
+              </a:srgbClr>
+            </a:solidFill>
+          </a:ln>
+        </p:spPr>
+        <p:style>
+          <a:lnRef idx="1">
+            <a:schemeClr val="accent1"/>
+          </a:lnRef>
+          <a:fillRef idx="0">
+            <a:schemeClr val="accent1"/>
+          </a:fillRef>
+          <a:effectRef idx="0">
+            <a:schemeClr val="accent1"/>
+          </a:effectRef>
+          <a:fontRef idx="minor">
+            <a:schemeClr val="tx1"/>
+          </a:fontRef>
+        </p:style>
+      </p:cxnSp>
+      <p:grpSp>
+        <p:nvGrpSpPr>
+          <p:cNvPr id="27" name="Group 26"/>
+          <p:cNvGrpSpPr>
+            <a:grpSpLocks noGrp="1" noUngrp="1" noRot="1" noChangeAspect="1" noMove="1" noResize="1"/>
+          </p:cNvGrpSpPr>
+          <p:nvPr>
+            <p:extLst>
+              <p:ext uri="{386F3935-93C4-4BCD-93E2-E3B085C9AB24}">
+                <p16:designElem xmlns="" xmlns:p16="http://schemas.microsoft.com/office/powerpoint/2015/main" val="1"/>
+              </p:ext>
+            </p:extLst>
+          </p:nvPr>
+        </p:nvGrpSpPr>
+        <p:grpSpPr>
+          <a:xfrm>
+            <a:off x="5460131" y="482171"/>
+            <a:ext cx="6091791" cy="5149101"/>
+            <a:chOff x="5460131" y="482171"/>
+            <a:chExt cx="6091791" cy="5149101"/>
+          </a:xfrm>
+        </p:grpSpPr>
+        <p:sp>
+          <p:nvSpPr>
+            <p:cNvPr id="28" name="Rectangle 27"/>
+            <p:cNvSpPr/>
+            <p:nvPr>
+              <p:extLst>
+                <p:ext uri="{386F3935-93C4-4BCD-93E2-E3B085C9AB24}">
+                  <p16:designElem xmlns="" xmlns:p16="http://schemas.microsoft.com/office/powerpoint/2015/main" val="1"/>
+                </p:ext>
+              </p:extLst>
+            </p:nvPr>
+          </p:nvSpPr>
+          <p:spPr>
+            <a:xfrm>
+              <a:off x="5460131" y="482171"/>
+              <a:ext cx="6091791" cy="5149101"/>
+            </a:xfrm>
+            <a:prstGeom prst="rect">
+              <a:avLst/>
+            </a:prstGeom>
+            <a:gradFill>
+              <a:gsLst>
+                <a:gs pos="0">
+                  <a:schemeClr val="bg2">
+                    <a:lumMod val="10000"/>
+                  </a:schemeClr>
+                </a:gs>
+                <a:gs pos="100000">
+                  <a:schemeClr val="bg2">
+                    <a:lumMod val="10000"/>
+                  </a:schemeClr>
+                </a:gs>
+              </a:gsLst>
+            </a:gradFill>
+            <a:ln w="76200" cmpd="sng">
+              <a:noFill/>
+              <a:miter lim="800000"/>
+            </a:ln>
+            <a:effectLst>
+              <a:outerShdw blurRad="127000" dist="228600" dir="4740000" sx="98000" sy="98000" algn="tl" rotWithShape="0">
+                <a:srgbClr val="000000">
+                  <a:alpha val="34000"/>
+                </a:srgbClr>
+              </a:outerShdw>
+            </a:effectLst>
+            <a:scene3d>
+              <a:camera prst="orthographicFront"/>
+              <a:lightRig rig="threePt" dir="t"/>
+            </a:scene3d>
+            <a:sp3d prstMaterial="matte">
+              <a:bevelT w="133350" h="50800" prst="divot"/>
+            </a:sp3d>
+          </p:spPr>
+          <p:style>
+            <a:lnRef idx="1">
+              <a:schemeClr val="accent1"/>
+            </a:lnRef>
+            <a:fillRef idx="3">
+              <a:schemeClr val="accent1"/>
+            </a:fillRef>
+            <a:effectRef idx="2">
+              <a:schemeClr val="accent1"/>
+            </a:effectRef>
+            <a:fontRef idx="minor">
+              <a:schemeClr val="lt1"/>
+            </a:fontRef>
+          </p:style>
+          <p:txBody>
+            <a:bodyPr rtlCol="0" anchor="ctr"/>
+            <a:lstStyle/>
+            <a:p>
+              <a:pPr algn="ctr"/>
+              <a:endParaRPr lang="en-US"/>
+            </a:p>
+          </p:txBody>
+        </p:sp>
+        <p:sp>
+          <p:nvSpPr>
+            <p:cNvPr id="29" name="Rectangle 28"/>
+            <p:cNvSpPr/>
+            <p:nvPr>
+              <p:extLst>
+                <p:ext uri="{386F3935-93C4-4BCD-93E2-E3B085C9AB24}">
+                  <p16:designElem xmlns="" xmlns:p16="http://schemas.microsoft.com/office/powerpoint/2015/main" val="1"/>
+                </p:ext>
+              </p:extLst>
+            </p:nvPr>
+          </p:nvSpPr>
+          <p:spPr>
+            <a:xfrm>
+              <a:off x="5778956" y="812507"/>
+              <a:ext cx="5461780" cy="4466452"/>
+            </a:xfrm>
+            <a:prstGeom prst="rect">
+              <a:avLst/>
+            </a:prstGeom>
+            <a:gradFill>
+              <a:gsLst>
+                <a:gs pos="0">
+                  <a:srgbClr val="DADADA"/>
+                </a:gs>
+                <a:gs pos="100000">
+                  <a:srgbClr val="FFFFFE"/>
+                </a:gs>
+              </a:gsLst>
+              <a:lin ang="16200000" scaled="0"/>
+            </a:gradFill>
+            <a:ln w="50800" cmpd="sng">
+              <a:solidFill>
+                <a:srgbClr val="191919"/>
+              </a:solidFill>
+              <a:miter lim="800000"/>
+            </a:ln>
+            <a:effectLst>
+              <a:innerShdw blurRad="63500" dist="88900" dir="14100000">
+                <a:srgbClr val="000000">
+                  <a:alpha val="30000"/>
+                </a:srgbClr>
+              </a:innerShdw>
+            </a:effectLst>
+            <a:scene3d>
+              <a:camera prst="orthographicFront"/>
+              <a:lightRig rig="threePt" dir="t"/>
+            </a:scene3d>
+            <a:sp3d>
+              <a:bevelT prst="relaxedInset"/>
+            </a:sp3d>
+          </p:spPr>
+          <p:style>
+            <a:lnRef idx="1">
+              <a:schemeClr val="accent1"/>
+            </a:lnRef>
+            <a:fillRef idx="3">
+              <a:schemeClr val="accent1"/>
+            </a:fillRef>
+            <a:effectRef idx="2">
+              <a:schemeClr val="accent1"/>
+            </a:effectRef>
+            <a:fontRef idx="minor">
+              <a:schemeClr val="lt1"/>
+            </a:fontRef>
+          </p:style>
+          <p:txBody>
+            <a:bodyPr rtlCol="0" anchor="ctr"/>
+            <a:lstStyle/>
+            <a:p>
+              <a:pPr algn="ctr"/>
+              <a:endParaRPr lang="en-US"/>
+            </a:p>
+          </p:txBody>
+        </p:sp>
+      </p:grpSp>
+      <p:sp>
+        <p:nvSpPr>
+          <p:cNvPr id="31" name="Rectangle 30"/>
+          <p:cNvSpPr>
+            <a:spLocks noGrp="1" noRot="1" noChangeAspect="1" noMove="1" noResize="1" noEditPoints="1" noAdjustHandles="1" noChangeArrowheads="1" noChangeShapeType="1" noTextEdit="1"/>
+          </p:cNvSpPr>
+          <p:nvPr>
+            <p:extLst>
+              <p:ext uri="{386F3935-93C4-4BCD-93E2-E3B085C9AB24}">
+                <p16:designElem xmlns="" xmlns:p16="http://schemas.microsoft.com/office/powerpoint/2015/main" val="1"/>
+              </p:ext>
+            </p:extLst>
+          </p:nvPr>
+        </p:nvSpPr>
+        <p:spPr>
+          <a:xfrm>
+            <a:off x="5942379" y="977099"/>
+            <a:ext cx="5130837" cy="4136205"/>
+          </a:xfrm>
+          <a:prstGeom prst="rect">
+            <a:avLst/>
+          </a:prstGeom>
+          <a:solidFill>
+            <a:srgbClr val="FFFFFE"/>
+          </a:solidFill>
+          <a:ln w="6350">
+            <a:solidFill>
+              <a:schemeClr val="bg2"/>
+            </a:solidFill>
+          </a:ln>
+        </p:spPr>
+        <p:style>
+          <a:lnRef idx="2">
+            <a:schemeClr val="accent1">
+              <a:shade val="50000"/>
+            </a:schemeClr>
+          </a:lnRef>
+          <a:fillRef idx="1">
+            <a:schemeClr val="accent1"/>
+          </a:fillRef>
+          <a:effectRef idx="0">
+            <a:schemeClr val="accent1"/>
+          </a:effectRef>
+          <a:fontRef idx="minor">
+            <a:schemeClr val="lt1"/>
+          </a:fontRef>
+        </p:style>
+        <p:txBody>
+          <a:bodyPr rtlCol="0" anchor="ctr"/>
+          <a:lstStyle/>
+          <a:p>
+            <a:pPr algn="ctr"/>
+            <a:endParaRPr lang="en-US"/>
+          </a:p>
+        </p:txBody>
+      </p:sp>
+      <p:cxnSp>
+        <p:nvCxnSpPr>
+          <p:cNvPr id="33" name="Straight Connector 32"/>
+          <p:cNvCxnSpPr>
+            <a:cxnSpLocks noGrp="1" noRot="1" noChangeAspect="1" noMove="1" noResize="1" noEditPoints="1" noAdjustHandles="1" noChangeArrowheads="1" noChangeShapeType="1"/>
+          </p:cNvCxnSpPr>
+          <p:nvPr>
+            <p:extLst>
+              <p:ext uri="{386F3935-93C4-4BCD-93E2-E3B085C9AB24}">
+                <p16:designElem xmlns="" xmlns:p16="http://schemas.microsoft.com/office/powerpoint/2015/main" val="1"/>
+              </p:ext>
+            </p:extLst>
+          </p:nvPr>
+        </p:nvCxnSpPr>
+        <p:spPr>
+          <a:xfrm>
+            <a:off x="1375829" y="798973"/>
+            <a:ext cx="0" cy="2544756"/>
+          </a:xfrm>
+          <a:prstGeom prst="line">
+            <a:avLst/>
+          </a:prstGeom>
+          <a:ln w="38100" cmpd="sng">
+            <a:solidFill>
+              <a:schemeClr val="accent1"/>
+            </a:solidFill>
+            <a:prstDash val="solid"/>
+            <a:tailEnd type="none"/>
+          </a:ln>
+        </p:spPr>
+        <p:style>
+          <a:lnRef idx="3">
+            <a:schemeClr val="accent1"/>
+          </a:lnRef>
+          <a:fillRef idx="0">
+            <a:schemeClr val="accent1"/>
+          </a:fillRef>
+          <a:effectRef idx="2">
+            <a:schemeClr val="accent1"/>
+          </a:effectRef>
+          <a:fontRef idx="minor">
+            <a:schemeClr val="tx1"/>
+          </a:fontRef>
+        </p:style>
+      </p:cxnSp>
+      <p:sp>
+        <p:nvSpPr>
           <p:cNvPr id="2" name="Title 1"/>
           <p:cNvSpPr>
             <a:spLocks noGrp="1"/>
@@ -4468,42 +6296,89 @@
             <p:ph type="title"/>
           </p:nvPr>
         </p:nvSpPr>
+        <p:spPr>
+          <a:xfrm>
+            <a:off x="1541822" y="962902"/>
+            <a:ext cx="3436434" cy="2380828"/>
+          </a:xfrm>
+        </p:spPr>
+        <p:txBody>
+          <a:bodyPr vert="horz" lIns="91440" tIns="45720" rIns="91440" bIns="0" rtlCol="0" anchor="b">
+            <a:normAutofit/>
+          </a:bodyPr>
+          <a:lstStyle/>
+          <a:p>
+            <a:r>
+              <a:rPr lang="en-US" sz="4800"/>
+              <a:t>Sekų diagrama</a:t>
+            </a:r>
+          </a:p>
+        </p:txBody>
+      </p:sp>
+      <p:sp>
+        <p:nvSpPr>
+          <p:cNvPr id="3" name="Content Placeholder 2"/>
+          <p:cNvSpPr>
+            <a:spLocks noGrp="1"/>
+          </p:cNvSpPr>
+          <p:nvPr>
+            <p:ph idx="1"/>
+          </p:nvPr>
+        </p:nvSpPr>
         <p:spPr/>
         <p:txBody>
           <a:bodyPr/>
           <a:lstStyle/>
           <a:p>
-            <a:pPr algn="ctr"/>
-            <a:r>
-              <a:rPr lang="lt-LT" dirty="0"/>
-              <a:t>Kūrimo priemonės</a:t>
-            </a:r>
-          </a:p>
-        </p:txBody>
-      </p:sp>
-      <p:sp>
-        <p:nvSpPr>
-          <p:cNvPr id="3" name="Content Placeholder 2"/>
-          <p:cNvSpPr>
-            <a:spLocks noGrp="1"/>
-          </p:cNvSpPr>
-          <p:nvPr>
-            <p:ph idx="1"/>
-          </p:nvPr>
-        </p:nvSpPr>
-        <p:spPr/>
-        <p:txBody>
-          <a:bodyPr/>
-          <a:lstStyle/>
-          <a:p>
-            <a:endParaRPr lang="lt-LT"/>
-          </a:p>
-        </p:txBody>
-      </p:sp>
+            <a:endParaRPr lang="lt-LT" dirty="0"/>
+          </a:p>
+        </p:txBody>
+      </p:sp>
+      <p:pic>
+        <p:nvPicPr>
+          <p:cNvPr id="1026" name="Picture 2" descr="E:\Atsisiuntimai\18575205_461177417557707_1990936590_o.png"/>
+          <p:cNvPicPr>
+            <a:picLocks noChangeAspect="1" noChangeArrowheads="1"/>
+          </p:cNvPicPr>
+          <p:nvPr/>
+        </p:nvPicPr>
+        <p:blipFill>
+          <a:blip r:embed="rId3">
+            <a:extLst>
+              <a:ext uri="{28A0092B-C50C-407E-A947-70E740481C1C}">
+                <a14:useLocalDpi xmlns:a14="http://schemas.microsoft.com/office/drawing/2010/main" val="0"/>
+              </a:ext>
+            </a:extLst>
+          </a:blip>
+          <a:srcRect/>
+          <a:stretch>
+            <a:fillRect/>
+          </a:stretch>
+        </p:blipFill>
+        <p:spPr bwMode="auto">
+          <a:xfrm>
+            <a:off x="4316820" y="685506"/>
+            <a:ext cx="7697972" cy="4719389"/>
+          </a:xfrm>
+          <a:prstGeom prst="rect">
+            <a:avLst/>
+          </a:prstGeom>
+          <a:noFill/>
+          <a:extLst>
+            <a:ext uri="{909E8E84-426E-40DD-AFC4-6F175D3DCCD1}">
+              <a14:hiddenFill xmlns:a14="http://schemas.microsoft.com/office/drawing/2010/main">
+                <a:solidFill>
+                  <a:srgbClr val="FFFFFF"/>
+                </a:solidFill>
+              </a14:hiddenFill>
+            </a:ext>
+          </a:extLst>
+        </p:spPr>
+      </p:pic>
     </p:spTree>
     <p:extLst>
       <p:ext uri="{BB962C8B-B14F-4D97-AF65-F5344CB8AC3E}">
-        <p14:creationId xmlns:p14="http://schemas.microsoft.com/office/powerpoint/2010/main" val="1919320893"/>
+        <p14:creationId xmlns:p14="http://schemas.microsoft.com/office/powerpoint/2010/main" val="3167586222"/>
       </p:ext>
     </p:extLst>
   </p:cSld>
@@ -4760,7 +6635,7 @@
   <a:extraClrSchemeLst/>
   <a:extLst>
     <a:ext uri="{05A4C25C-085E-4340-85A3-A5531E510DB2}">
-      <thm15:themeFamily xmlns:thm15="http://schemas.microsoft.com/office/thememl/2012/main" name="Gallery" id="{BBFCD31E-59A1-489D-B089-A3EAD7CAE12E}" vid="{AC464412-510E-4F2B-8947-A0DDBD028997}"/>
+      <thm15:themeFamily xmlns="" xmlns:thm15="http://schemas.microsoft.com/office/thememl/2012/main" name="Gallery" id="{BBFCD31E-59A1-489D-B089-A3EAD7CAE12E}" vid="{AC464412-510E-4F2B-8947-A0DDBD028997}"/>
     </a:ext>
   </a:extLst>
 </a:theme>
